--- a/docs/高性能集群监控系统.pptx
+++ b/docs/高性能集群监控系统.pptx
@@ -18,19 +18,23 @@
     <p:sldId id="284" r:id="rId11"/>
     <p:sldId id="266" r:id="rId12"/>
     <p:sldId id="327" r:id="rId13"/>
-    <p:sldId id="340" r:id="rId14"/>
-    <p:sldId id="328" r:id="rId15"/>
-    <p:sldId id="341" r:id="rId16"/>
-    <p:sldId id="262" r:id="rId17"/>
-    <p:sldId id="263" r:id="rId18"/>
-    <p:sldId id="273" r:id="rId19"/>
-    <p:sldId id="265" r:id="rId20"/>
-    <p:sldId id="267" r:id="rId21"/>
-    <p:sldId id="268" r:id="rId22"/>
-    <p:sldId id="269" r:id="rId23"/>
-    <p:sldId id="281" r:id="rId24"/>
-    <p:sldId id="282" r:id="rId25"/>
-    <p:sldId id="271" r:id="rId26"/>
+    <p:sldId id="353" r:id="rId14"/>
+    <p:sldId id="340" r:id="rId15"/>
+    <p:sldId id="328" r:id="rId16"/>
+    <p:sldId id="341" r:id="rId17"/>
+    <p:sldId id="262" r:id="rId18"/>
+    <p:sldId id="263" r:id="rId19"/>
+    <p:sldId id="273" r:id="rId20"/>
+    <p:sldId id="265" r:id="rId21"/>
+    <p:sldId id="355" r:id="rId22"/>
+    <p:sldId id="267" r:id="rId23"/>
+    <p:sldId id="268" r:id="rId24"/>
+    <p:sldId id="357" r:id="rId25"/>
+    <p:sldId id="369" r:id="rId26"/>
+    <p:sldId id="269" r:id="rId27"/>
+    <p:sldId id="281" r:id="rId28"/>
+    <p:sldId id="282" r:id="rId29"/>
+    <p:sldId id="271" r:id="rId30"/>
   </p:sldIdLst>
   <p:sldSz cx="12192000" cy="6858000"/>
   <p:notesSz cx="6858000" cy="9144000"/>
@@ -3427,6 +3431,94 @@
           </a:p>
         </p:txBody>
       </p:sp>
+      <p:pic>
+        <p:nvPicPr>
+          <p:cNvPr id="5" name="图片 4"/>
+          <p:cNvPicPr>
+            <a:picLocks noChangeAspect="1"/>
+          </p:cNvPicPr>
+          <p:nvPr/>
+        </p:nvPicPr>
+        <p:blipFill>
+          <a:blip r:embed="rId1"/>
+          <a:stretch>
+            <a:fillRect/>
+          </a:stretch>
+        </p:blipFill>
+        <p:spPr>
+          <a:xfrm>
+            <a:off x="772795" y="1772920"/>
+            <a:ext cx="3937000" cy="4343400"/>
+          </a:xfrm>
+          <a:prstGeom prst="rect">
+            <a:avLst/>
+          </a:prstGeom>
+        </p:spPr>
+      </p:pic>
+      <p:pic>
+        <p:nvPicPr>
+          <p:cNvPr id="6" name="图片 5"/>
+          <p:cNvPicPr>
+            <a:picLocks noChangeAspect="1"/>
+          </p:cNvPicPr>
+          <p:nvPr/>
+        </p:nvPicPr>
+        <p:blipFill>
+          <a:blip r:embed="rId2"/>
+          <a:stretch>
+            <a:fillRect/>
+          </a:stretch>
+        </p:blipFill>
+        <p:spPr>
+          <a:xfrm>
+            <a:off x="4963160" y="1259840"/>
+            <a:ext cx="6680200" cy="5048250"/>
+          </a:xfrm>
+          <a:prstGeom prst="rect">
+            <a:avLst/>
+          </a:prstGeom>
+        </p:spPr>
+      </p:pic>
+    </p:spTree>
+  </p:cSld>
+  <p:clrMapOvr>
+    <a:masterClrMapping/>
+  </p:clrMapOvr>
+</p:sld>
+</file>
+
+<file path=ppt/slides/slide11.xml><?xml version="1.0" encoding="utf-8"?>
+<p:sld xmlns:a="http://schemas.openxmlformats.org/drawingml/2006/main" xmlns:r="http://schemas.openxmlformats.org/officeDocument/2006/relationships" xmlns:p="http://schemas.openxmlformats.org/presentationml/2006/main">
+  <p:cSld>
+    <p:spTree>
+      <p:nvGrpSpPr>
+        <p:cNvPr id="1" name=""/>
+        <p:cNvGrpSpPr/>
+        <p:nvPr/>
+      </p:nvGrpSpPr>
+      <p:grpSpPr/>
+      <p:sp>
+        <p:nvSpPr>
+          <p:cNvPr id="2" name="标题 1"/>
+          <p:cNvSpPr>
+            <a:spLocks noGrp="1"/>
+          </p:cNvSpPr>
+          <p:nvPr>
+            <p:ph type="title"/>
+          </p:nvPr>
+        </p:nvSpPr>
+        <p:spPr/>
+        <p:txBody>
+          <a:bodyPr/>
+          <a:p>
+            <a:r>
+              <a:rPr lang="en-US" altLang="zh-CN"/>
+              <a:t>Role-based access control(RBAC) </a:t>
+            </a:r>
+            <a:endParaRPr lang="en-US" altLang="zh-CN"/>
+          </a:p>
+        </p:txBody>
+      </p:sp>
       <p:sp>
         <p:nvSpPr>
           <p:cNvPr id="10" name="文本框 9"/>
@@ -3529,7 +3621,7 @@
 </p:sld>
 </file>
 
-<file path=ppt/slides/slide11.xml><?xml version="1.0" encoding="utf-8"?>
+<file path=ppt/slides/slide12.xml><?xml version="1.0" encoding="utf-8"?>
 <p:sld xmlns:a="http://schemas.openxmlformats.org/drawingml/2006/main" xmlns:r="http://schemas.openxmlformats.org/officeDocument/2006/relationships" xmlns:p="http://schemas.openxmlformats.org/presentationml/2006/main">
   <p:cSld>
     <p:spTree>
@@ -3785,7 +3877,7 @@
 </p:sld>
 </file>
 
-<file path=ppt/slides/slide12.xml><?xml version="1.0" encoding="utf-8"?>
+<file path=ppt/slides/slide13.xml><?xml version="1.0" encoding="utf-8"?>
 <p:sld xmlns:a="http://schemas.openxmlformats.org/drawingml/2006/main" xmlns:r="http://schemas.openxmlformats.org/officeDocument/2006/relationships" xmlns:p="http://schemas.openxmlformats.org/presentationml/2006/main">
   <p:cSld>
     <p:spTree>
@@ -3963,7 +4055,7 @@
 </p:sld>
 </file>
 
-<file path=ppt/slides/slide13.xml><?xml version="1.0" encoding="utf-8"?>
+<file path=ppt/slides/slide14.xml><?xml version="1.0" encoding="utf-8"?>
 <p:sld xmlns:a="http://schemas.openxmlformats.org/drawingml/2006/main" xmlns:r="http://schemas.openxmlformats.org/officeDocument/2006/relationships" xmlns:p="http://schemas.openxmlformats.org/presentationml/2006/main">
   <p:cSld>
     <p:spTree>
@@ -4096,7 +4188,7 @@
 </p:sld>
 </file>
 
-<file path=ppt/slides/slide14.xml><?xml version="1.0" encoding="utf-8"?>
+<file path=ppt/slides/slide15.xml><?xml version="1.0" encoding="utf-8"?>
 <p:sld xmlns:a="http://schemas.openxmlformats.org/drawingml/2006/main" xmlns:r="http://schemas.openxmlformats.org/officeDocument/2006/relationships" xmlns:p="http://schemas.openxmlformats.org/presentationml/2006/main">
   <p:cSld>
     <p:spTree>
@@ -4172,7 +4264,7 @@
 </p:sld>
 </file>
 
-<file path=ppt/slides/slide15.xml><?xml version="1.0" encoding="utf-8"?>
+<file path=ppt/slides/slide16.xml><?xml version="1.0" encoding="utf-8"?>
 <p:sld xmlns:a="http://schemas.openxmlformats.org/drawingml/2006/main" xmlns:r="http://schemas.openxmlformats.org/officeDocument/2006/relationships" xmlns:p="http://schemas.openxmlformats.org/presentationml/2006/main">
   <p:cSld>
     <p:spTree>
@@ -4410,7 +4502,7 @@
 </p:sld>
 </file>
 
-<file path=ppt/slides/slide16.xml><?xml version="1.0" encoding="utf-8"?>
+<file path=ppt/slides/slide17.xml><?xml version="1.0" encoding="utf-8"?>
 <p:sld xmlns:a="http://schemas.openxmlformats.org/drawingml/2006/main" xmlns:r="http://schemas.openxmlformats.org/officeDocument/2006/relationships" xmlns:p="http://schemas.openxmlformats.org/presentationml/2006/main">
   <p:cSld>
     <p:spTree>
@@ -4719,86 +4811,6 @@
 </p:sld>
 </file>
 
-<file path=ppt/slides/slide17.xml><?xml version="1.0" encoding="utf-8"?>
-<p:sld xmlns:a="http://schemas.openxmlformats.org/drawingml/2006/main" xmlns:r="http://schemas.openxmlformats.org/officeDocument/2006/relationships" xmlns:p="http://schemas.openxmlformats.org/presentationml/2006/main">
-  <p:cSld>
-    <p:spTree>
-      <p:nvGrpSpPr>
-        <p:cNvPr id="1" name=""/>
-        <p:cNvGrpSpPr/>
-        <p:nvPr/>
-      </p:nvGrpSpPr>
-      <p:grpSpPr/>
-      <p:sp>
-        <p:nvSpPr>
-          <p:cNvPr id="2" name="标题 1"/>
-          <p:cNvSpPr>
-            <a:spLocks noGrp="1"/>
-          </p:cNvSpPr>
-          <p:nvPr>
-            <p:ph type="title"/>
-          </p:nvPr>
-        </p:nvSpPr>
-        <p:spPr/>
-        <p:txBody>
-          <a:bodyPr/>
-          <a:p>
-            <a:r>
-              <a:rPr lang="en-US" altLang="zh-CN"/>
-              <a:t>Other Optimizations</a:t>
-            </a:r>
-            <a:endParaRPr lang="en-US" altLang="zh-CN"/>
-          </a:p>
-        </p:txBody>
-      </p:sp>
-      <p:sp>
-        <p:nvSpPr>
-          <p:cNvPr id="3" name="内容占位符 2"/>
-          <p:cNvSpPr>
-            <a:spLocks noGrp="1"/>
-          </p:cNvSpPr>
-          <p:nvPr>
-            <p:ph sz="half" idx="1"/>
-          </p:nvPr>
-        </p:nvSpPr>
-        <p:spPr/>
-        <p:txBody>
-          <a:bodyPr/>
-          <a:p>
-            <a:r>
-              <a:rPr lang="en-US" altLang="zh-CN"/>
-              <a:t>CAPTCHA Request Rate Limit</a:t>
-            </a:r>
-            <a:endParaRPr lang="en-US" altLang="zh-CN"/>
-          </a:p>
-        </p:txBody>
-      </p:sp>
-      <p:sp>
-        <p:nvSpPr>
-          <p:cNvPr id="4" name="内容占位符 3"/>
-          <p:cNvSpPr>
-            <a:spLocks noGrp="1"/>
-          </p:cNvSpPr>
-          <p:nvPr>
-            <p:ph sz="half" idx="2"/>
-          </p:nvPr>
-        </p:nvSpPr>
-        <p:spPr/>
-        <p:txBody>
-          <a:bodyPr/>
-          <a:p>
-            <a:endParaRPr lang="zh-CN" altLang="en-US"/>
-          </a:p>
-        </p:txBody>
-      </p:sp>
-    </p:spTree>
-  </p:cSld>
-  <p:clrMapOvr>
-    <a:masterClrMapping/>
-  </p:clrMapOvr>
-</p:sld>
-</file>
-
 <file path=ppt/slides/slide18.xml><?xml version="1.0" encoding="utf-8"?>
 <p:sld xmlns:a="http://schemas.openxmlformats.org/drawingml/2006/main" xmlns:r="http://schemas.openxmlformats.org/officeDocument/2006/relationships" xmlns:p="http://schemas.openxmlformats.org/presentationml/2006/main">
   <p:cSld>
@@ -4825,7 +4837,7 @@
           <a:p>
             <a:r>
               <a:rPr lang="en-US" altLang="zh-CN"/>
-              <a:t>Prometheus Monitor</a:t>
+              <a:t>Other Optimizations</a:t>
             </a:r>
             <a:endParaRPr lang="en-US" altLang="zh-CN"/>
           </a:p>
@@ -4833,12 +4845,80 @@
       </p:sp>
       <p:sp>
         <p:nvSpPr>
-          <p:cNvPr id="3" name="文本占位符 2"/>
-          <p:cNvSpPr>
-            <a:spLocks noGrp="1"/>
-          </p:cNvSpPr>
-          <p:nvPr>
-            <p:ph type="body" idx="1"/>
+          <p:cNvPr id="3" name="内容占位符 2"/>
+          <p:cNvSpPr>
+            <a:spLocks noGrp="1"/>
+          </p:cNvSpPr>
+          <p:nvPr>
+            <p:ph sz="half" idx="1"/>
+          </p:nvPr>
+        </p:nvSpPr>
+        <p:spPr/>
+        <p:txBody>
+          <a:bodyPr/>
+          <a:p>
+            <a:r>
+              <a:rPr lang="en-US" altLang="zh-CN"/>
+              <a:t>CAPTCHA Request Rate Limit</a:t>
+            </a:r>
+            <a:endParaRPr lang="en-US" altLang="zh-CN"/>
+          </a:p>
+          <a:p>
+            <a:pPr lvl="1"/>
+            <a:r>
+              <a:rPr lang="en-US" altLang="zh-CN"/>
+              <a:t>Original</a:t>
+            </a:r>
+            <a:endParaRPr lang="en-US" altLang="zh-CN"/>
+          </a:p>
+          <a:p>
+            <a:pPr lvl="1"/>
+            <a:endParaRPr lang="en-US" altLang="zh-CN"/>
+          </a:p>
+          <a:p>
+            <a:pPr lvl="1"/>
+            <a:endParaRPr lang="en-US" altLang="zh-CN"/>
+          </a:p>
+          <a:p>
+            <a:pPr lvl="1"/>
+            <a:endParaRPr lang="en-US" altLang="zh-CN"/>
+          </a:p>
+          <a:p>
+            <a:pPr lvl="1"/>
+            <a:endParaRPr lang="en-US" altLang="zh-CN"/>
+          </a:p>
+        </p:txBody>
+      </p:sp>
+      <p:pic>
+        <p:nvPicPr>
+          <p:cNvPr id="5" name="图片 4"/>
+          <p:cNvPicPr>
+            <a:picLocks noChangeAspect="1"/>
+          </p:cNvPicPr>
+          <p:nvPr/>
+        </p:nvPicPr>
+        <p:blipFill>
+          <a:blip r:embed="rId1"/>
+          <a:stretch>
+            <a:fillRect/>
+          </a:stretch>
+        </p:blipFill>
+        <p:spPr>
+          <a:xfrm>
+            <a:off x="1854200" y="2830195"/>
+            <a:ext cx="5715635" cy="3148330"/>
+          </a:xfrm>
+          <a:prstGeom prst="rect">
+            <a:avLst/>
+          </a:prstGeom>
+        </p:spPr>
+      </p:pic>
+      <p:sp>
+        <p:nvSpPr>
+          <p:cNvPr id="8" name="内容占位符 7"/>
+          <p:cNvSpPr/>
+          <p:nvPr>
+            <p:ph sz="half" idx="2"/>
           </p:nvPr>
         </p:nvSpPr>
         <p:spPr/>
@@ -4882,54 +4962,519 @@
           <a:bodyPr/>
           <a:p>
             <a:r>
+              <a:rPr lang="en-US" altLang="zh-CN">
+                <a:sym typeface="+mn-ea"/>
+              </a:rPr>
+              <a:t>CAPTCHA Request Rate Limit</a:t>
+            </a:r>
+            <a:r>
+              <a:rPr lang="zh-CN" altLang="en-US">
+                <a:sym typeface="+mn-ea"/>
+              </a:rPr>
+              <a:t>：</a:t>
+            </a:r>
+            <a:r>
+              <a:rPr lang="en-US" altLang="zh-CN">
+                <a:sym typeface="+mn-ea"/>
+              </a:rPr>
+              <a:t>Redis</a:t>
+            </a:r>
+            <a:endParaRPr lang="en-US" altLang="zh-CN">
+              <a:sym typeface="+mn-ea"/>
+            </a:endParaRPr>
+          </a:p>
+        </p:txBody>
+      </p:sp>
+      <p:sp>
+        <p:nvSpPr>
+          <p:cNvPr id="3" name="内容占位符 2"/>
+          <p:cNvSpPr>
+            <a:spLocks noGrp="1"/>
+          </p:cNvSpPr>
+          <p:nvPr>
+            <p:ph sz="half" idx="1"/>
+          </p:nvPr>
+        </p:nvSpPr>
+        <p:spPr>
+          <a:xfrm>
+            <a:off x="838200" y="1825625"/>
+            <a:ext cx="5181600" cy="4351338"/>
+          </a:xfrm>
+        </p:spPr>
+        <p:txBody>
+          <a:bodyPr>
+            <a:normAutofit lnSpcReduction="10000"/>
+          </a:bodyPr>
+          <a:p>
+            <a:r>
               <a:rPr lang="en-US" altLang="zh-CN"/>
-              <a:t>Alertmanager for complex alerts handling</a:t>
+              <a:t>Caching Mechanism: Redis is used to store verification codes temporarily.</a:t>
             </a:r>
             <a:endParaRPr lang="en-US" altLang="zh-CN"/>
           </a:p>
-        </p:txBody>
-      </p:sp>
-      <p:sp>
-        <p:nvSpPr>
-          <p:cNvPr id="3" name="内容占位符 2"/>
-          <p:cNvSpPr>
-            <a:spLocks noGrp="1"/>
-          </p:cNvSpPr>
-          <p:nvPr>
-            <p:ph sz="half" idx="1"/>
+          <a:p>
+            <a:r>
+              <a:rPr lang="en-US" altLang="zh-CN"/>
+              <a:t>Expiration Time: The verification codes are automatically expired after a set time (e.g., </a:t>
+            </a:r>
+            <a:r>
+              <a:rPr lang="en-US" altLang="zh-CN" sz="2400"/>
+              <a:t>10</a:t>
+            </a:r>
+            <a:r>
+              <a:rPr lang="en-US" altLang="zh-CN"/>
+              <a:t> minutes).</a:t>
+            </a:r>
+            <a:endParaRPr lang="en-US" altLang="zh-CN"/>
+          </a:p>
+          <a:p>
+            <a:r>
+              <a:rPr lang="en-US" altLang="zh-CN"/>
+              <a:t>Efficiency: This ensures that the codes are valid only for a limited time, reducing the risk of misuse and enhancing security.</a:t>
+            </a:r>
+            <a:endParaRPr lang="en-US" altLang="zh-CN"/>
+          </a:p>
+        </p:txBody>
+      </p:sp>
+      <p:sp>
+        <p:nvSpPr>
+          <p:cNvPr id="4" name="内容占位符 3"/>
+          <p:cNvSpPr>
+            <a:spLocks noGrp="1"/>
+          </p:cNvSpPr>
+          <p:nvPr>
+            <p:ph sz="half" idx="2"/>
           </p:nvPr>
         </p:nvSpPr>
         <p:spPr/>
         <p:txBody>
-          <a:bodyPr/>
-          <a:p>
-            <a:endParaRPr lang="zh-CN" altLang="en-US"/>
-          </a:p>
-        </p:txBody>
-      </p:sp>
-      <p:sp>
-        <p:nvSpPr>
-          <p:cNvPr id="4" name="内容占位符 3"/>
-          <p:cNvSpPr>
-            <a:spLocks noGrp="1"/>
-          </p:cNvSpPr>
-          <p:nvPr>
-            <p:ph sz="half" idx="2"/>
-          </p:nvPr>
-        </p:nvSpPr>
-        <p:spPr/>
-        <p:txBody>
-          <a:bodyPr/>
-          <a:p>
-            <a:endParaRPr lang="zh-CN" altLang="en-US"/>
-          </a:p>
-        </p:txBody>
-      </p:sp>
+          <a:bodyPr>
+            <a:normAutofit lnSpcReduction="20000"/>
+          </a:bodyPr>
+          <a:p>
+            <a:r>
+              <a:rPr lang="en-US" altLang="zh-CN"/>
+              <a:t>Rate Limiting: Redis is configured to track the number of verification code requests sent to the same email address per day.</a:t>
+            </a:r>
+            <a:endParaRPr lang="en-US" altLang="zh-CN"/>
+          </a:p>
+          <a:p>
+            <a:r>
+              <a:rPr lang="en-US" altLang="zh-CN"/>
+              <a:t>Max Requests: A maximum number of allowed requests is set (e.g., 5 emails per day).</a:t>
+            </a:r>
+            <a:endParaRPr lang="en-US" altLang="zh-CN"/>
+          </a:p>
+          <a:p>
+            <a:r>
+              <a:rPr lang="en-US" altLang="zh-CN"/>
+              <a:t>Prevention of Abuse: This mechanism helps to prevent email spamming and ensures a smooth user experience.</a:t>
+            </a:r>
+            <a:endParaRPr lang="en-US" altLang="zh-CN"/>
+          </a:p>
+        </p:txBody>
+      </p:sp>
+      <p:pic>
+        <p:nvPicPr>
+          <p:cNvPr id="7" name="内容占位符 6"/>
+          <p:cNvPicPr>
+            <a:picLocks noChangeAspect="1"/>
+          </p:cNvPicPr>
+          <p:nvPr/>
+        </p:nvPicPr>
+        <p:blipFill>
+          <a:blip r:embed="rId1"/>
+          <a:stretch>
+            <a:fillRect/>
+          </a:stretch>
+        </p:blipFill>
+        <p:spPr>
+          <a:xfrm>
+            <a:off x="967740" y="2603500"/>
+            <a:ext cx="4819650" cy="1828800"/>
+          </a:xfrm>
+          <a:prstGeom prst="rect">
+            <a:avLst/>
+          </a:prstGeom>
+        </p:spPr>
+      </p:pic>
+      <p:pic>
+        <p:nvPicPr>
+          <p:cNvPr id="9" name="内容占位符 8"/>
+          <p:cNvPicPr>
+            <a:picLocks noChangeAspect="1"/>
+          </p:cNvPicPr>
+          <p:nvPr/>
+        </p:nvPicPr>
+        <p:blipFill>
+          <a:blip r:embed="rId2"/>
+          <a:stretch>
+            <a:fillRect/>
+          </a:stretch>
+        </p:blipFill>
+        <p:spPr>
+          <a:xfrm>
+            <a:off x="6305550" y="2603500"/>
+            <a:ext cx="5048250" cy="1714500"/>
+          </a:xfrm>
+          <a:prstGeom prst="rect">
+            <a:avLst/>
+          </a:prstGeom>
+        </p:spPr>
+      </p:pic>
     </p:spTree>
   </p:cSld>
   <p:clrMapOvr>
     <a:masterClrMapping/>
   </p:clrMapOvr>
+  <p:timing>
+    <p:tnLst>
+      <p:par>
+        <p:cTn id="1" dur="indefinite" restart="never" nodeType="tmRoot">
+          <p:childTnLst>
+            <p:seq concurrent="1" nextAc="seek">
+              <p:cTn id="2" dur="indefinite" nodeType="mainSeq">
+                <p:childTnLst>
+                  <p:par>
+                    <p:cTn id="3" fill="hold">
+                      <p:stCondLst>
+                        <p:cond delay="indefinite"/>
+                      </p:stCondLst>
+                      <p:childTnLst>
+                        <p:par>
+                          <p:cTn id="4" fill="hold">
+                            <p:stCondLst>
+                              <p:cond delay="0"/>
+                            </p:stCondLst>
+                            <p:childTnLst>
+                              <p:par>
+                                <p:cTn id="5" presetID="1" presetClass="entr" presetSubtype="0" fill="hold" grpId="0" nodeType="clickEffect">
+                                  <p:stCondLst>
+                                    <p:cond delay="0"/>
+                                  </p:stCondLst>
+                                  <p:childTnLst>
+                                    <p:set>
+                                      <p:cBhvr>
+                                        <p:cTn id="6" dur="1" fill="hold">
+                                          <p:stCondLst>
+                                            <p:cond delay="0"/>
+                                          </p:stCondLst>
+                                        </p:cTn>
+                                        <p:tgtEl>
+                                          <p:spTgt spid="3">
+                                            <p:txEl>
+                                              <p:pRg st="0" end="0"/>
+                                            </p:txEl>
+                                          </p:spTgt>
+                                        </p:tgtEl>
+                                        <p:attrNameLst>
+                                          <p:attrName>style.visibility</p:attrName>
+                                        </p:attrNameLst>
+                                      </p:cBhvr>
+                                      <p:to>
+                                        <p:strVal val="visible"/>
+                                      </p:to>
+                                    </p:set>
+                                  </p:childTnLst>
+                                </p:cTn>
+                              </p:par>
+                              <p:par>
+                                <p:cTn id="7" presetID="1" presetClass="entr" presetSubtype="0" fill="hold" grpId="0" nodeType="withEffect">
+                                  <p:stCondLst>
+                                    <p:cond delay="0"/>
+                                  </p:stCondLst>
+                                  <p:childTnLst>
+                                    <p:set>
+                                      <p:cBhvr>
+                                        <p:cTn id="8" dur="1" fill="hold">
+                                          <p:stCondLst>
+                                            <p:cond delay="0"/>
+                                          </p:stCondLst>
+                                        </p:cTn>
+                                        <p:tgtEl>
+                                          <p:spTgt spid="3">
+                                            <p:txEl>
+                                              <p:pRg st="1" end="1"/>
+                                            </p:txEl>
+                                          </p:spTgt>
+                                        </p:tgtEl>
+                                        <p:attrNameLst>
+                                          <p:attrName>style.visibility</p:attrName>
+                                        </p:attrNameLst>
+                                      </p:cBhvr>
+                                      <p:to>
+                                        <p:strVal val="visible"/>
+                                      </p:to>
+                                    </p:set>
+                                  </p:childTnLst>
+                                </p:cTn>
+                              </p:par>
+                              <p:par>
+                                <p:cTn id="9" presetID="1" presetClass="entr" presetSubtype="0" fill="hold" grpId="0" nodeType="withEffect">
+                                  <p:stCondLst>
+                                    <p:cond delay="0"/>
+                                  </p:stCondLst>
+                                  <p:childTnLst>
+                                    <p:set>
+                                      <p:cBhvr>
+                                        <p:cTn id="10" dur="1" fill="hold">
+                                          <p:stCondLst>
+                                            <p:cond delay="0"/>
+                                          </p:stCondLst>
+                                        </p:cTn>
+                                        <p:tgtEl>
+                                          <p:spTgt spid="3">
+                                            <p:txEl>
+                                              <p:pRg st="2" end="2"/>
+                                            </p:txEl>
+                                          </p:spTgt>
+                                        </p:tgtEl>
+                                        <p:attrNameLst>
+                                          <p:attrName>style.visibility</p:attrName>
+                                        </p:attrNameLst>
+                                      </p:cBhvr>
+                                      <p:to>
+                                        <p:strVal val="visible"/>
+                                      </p:to>
+                                    </p:set>
+                                  </p:childTnLst>
+                                </p:cTn>
+                              </p:par>
+                            </p:childTnLst>
+                          </p:cTn>
+                        </p:par>
+                      </p:childTnLst>
+                    </p:cTn>
+                  </p:par>
+                  <p:par>
+                    <p:cTn id="11" fill="hold">
+                      <p:stCondLst>
+                        <p:cond delay="indefinite"/>
+                      </p:stCondLst>
+                      <p:childTnLst>
+                        <p:par>
+                          <p:cTn id="12" fill="hold">
+                            <p:stCondLst>
+                              <p:cond delay="0"/>
+                            </p:stCondLst>
+                            <p:childTnLst>
+                              <p:par>
+                                <p:cTn id="13" presetID="1" presetClass="entr" presetSubtype="0" fill="hold" nodeType="clickEffect">
+                                  <p:stCondLst>
+                                    <p:cond delay="0"/>
+                                  </p:stCondLst>
+                                  <p:childTnLst>
+                                    <p:set>
+                                      <p:cBhvr>
+                                        <p:cTn id="14" dur="1" fill="hold">
+                                          <p:stCondLst>
+                                            <p:cond delay="0"/>
+                                          </p:stCondLst>
+                                        </p:cTn>
+                                        <p:tgtEl>
+                                          <p:spTgt spid="7"/>
+                                        </p:tgtEl>
+                                        <p:attrNameLst>
+                                          <p:attrName>style.visibility</p:attrName>
+                                        </p:attrNameLst>
+                                      </p:cBhvr>
+                                      <p:to>
+                                        <p:strVal val="visible"/>
+                                      </p:to>
+                                    </p:set>
+                                  </p:childTnLst>
+                                </p:cTn>
+                              </p:par>
+                            </p:childTnLst>
+                          </p:cTn>
+                        </p:par>
+                      </p:childTnLst>
+                    </p:cTn>
+                  </p:par>
+                  <p:par>
+                    <p:cTn id="15" fill="hold">
+                      <p:stCondLst>
+                        <p:cond delay="indefinite"/>
+                      </p:stCondLst>
+                      <p:childTnLst>
+                        <p:par>
+                          <p:cTn id="16" fill="hold">
+                            <p:stCondLst>
+                              <p:cond delay="0"/>
+                            </p:stCondLst>
+                            <p:childTnLst>
+                              <p:par>
+                                <p:cTn id="17" presetID="1" presetClass="entr" presetSubtype="0" fill="hold" grpId="0" nodeType="clickEffect">
+                                  <p:stCondLst>
+                                    <p:cond delay="0"/>
+                                  </p:stCondLst>
+                                  <p:childTnLst>
+                                    <p:set>
+                                      <p:cBhvr>
+                                        <p:cTn id="18" dur="1" fill="hold">
+                                          <p:stCondLst>
+                                            <p:cond delay="0"/>
+                                          </p:stCondLst>
+                                        </p:cTn>
+                                        <p:tgtEl>
+                                          <p:spTgt spid="4">
+                                            <p:txEl>
+                                              <p:pRg st="0" end="0"/>
+                                            </p:txEl>
+                                          </p:spTgt>
+                                        </p:tgtEl>
+                                        <p:attrNameLst>
+                                          <p:attrName>style.visibility</p:attrName>
+                                        </p:attrNameLst>
+                                      </p:cBhvr>
+                                      <p:to>
+                                        <p:strVal val="visible"/>
+                                      </p:to>
+                                    </p:set>
+                                  </p:childTnLst>
+                                </p:cTn>
+                              </p:par>
+                              <p:par>
+                                <p:cTn id="19" presetID="1" presetClass="entr" presetSubtype="0" fill="hold" grpId="0" nodeType="withEffect">
+                                  <p:stCondLst>
+                                    <p:cond delay="0"/>
+                                  </p:stCondLst>
+                                  <p:childTnLst>
+                                    <p:set>
+                                      <p:cBhvr>
+                                        <p:cTn id="20" dur="1" fill="hold">
+                                          <p:stCondLst>
+                                            <p:cond delay="0"/>
+                                          </p:stCondLst>
+                                        </p:cTn>
+                                        <p:tgtEl>
+                                          <p:spTgt spid="4">
+                                            <p:txEl>
+                                              <p:pRg st="1" end="1"/>
+                                            </p:txEl>
+                                          </p:spTgt>
+                                        </p:tgtEl>
+                                        <p:attrNameLst>
+                                          <p:attrName>style.visibility</p:attrName>
+                                        </p:attrNameLst>
+                                      </p:cBhvr>
+                                      <p:to>
+                                        <p:strVal val="visible"/>
+                                      </p:to>
+                                    </p:set>
+                                  </p:childTnLst>
+                                </p:cTn>
+                              </p:par>
+                              <p:par>
+                                <p:cTn id="21" presetID="1" presetClass="entr" presetSubtype="0" fill="hold" grpId="0" nodeType="withEffect">
+                                  <p:stCondLst>
+                                    <p:cond delay="0"/>
+                                  </p:stCondLst>
+                                  <p:childTnLst>
+                                    <p:set>
+                                      <p:cBhvr>
+                                        <p:cTn id="22" dur="1" fill="hold">
+                                          <p:stCondLst>
+                                            <p:cond delay="0"/>
+                                          </p:stCondLst>
+                                        </p:cTn>
+                                        <p:tgtEl>
+                                          <p:spTgt spid="4">
+                                            <p:txEl>
+                                              <p:pRg st="2" end="2"/>
+                                            </p:txEl>
+                                          </p:spTgt>
+                                        </p:tgtEl>
+                                        <p:attrNameLst>
+                                          <p:attrName>style.visibility</p:attrName>
+                                        </p:attrNameLst>
+                                      </p:cBhvr>
+                                      <p:to>
+                                        <p:strVal val="visible"/>
+                                      </p:to>
+                                    </p:set>
+                                  </p:childTnLst>
+                                </p:cTn>
+                              </p:par>
+                            </p:childTnLst>
+                          </p:cTn>
+                        </p:par>
+                      </p:childTnLst>
+                    </p:cTn>
+                  </p:par>
+                  <p:par>
+                    <p:cTn id="23" fill="hold">
+                      <p:stCondLst>
+                        <p:cond delay="indefinite"/>
+                      </p:stCondLst>
+                      <p:childTnLst>
+                        <p:par>
+                          <p:cTn id="24" fill="hold">
+                            <p:stCondLst>
+                              <p:cond delay="0"/>
+                            </p:stCondLst>
+                            <p:childTnLst>
+                              <p:par>
+                                <p:cTn id="25" presetID="1" presetClass="entr" presetSubtype="0" fill="hold" nodeType="clickEffect">
+                                  <p:stCondLst>
+                                    <p:cond delay="0"/>
+                                  </p:stCondLst>
+                                  <p:childTnLst>
+                                    <p:set>
+                                      <p:cBhvr>
+                                        <p:cTn id="26" dur="1" fill="hold">
+                                          <p:stCondLst>
+                                            <p:cond delay="0"/>
+                                          </p:stCondLst>
+                                        </p:cTn>
+                                        <p:tgtEl>
+                                          <p:spTgt spid="9"/>
+                                        </p:tgtEl>
+                                        <p:attrNameLst>
+                                          <p:attrName>style.visibility</p:attrName>
+                                        </p:attrNameLst>
+                                      </p:cBhvr>
+                                      <p:to>
+                                        <p:strVal val="visible"/>
+                                      </p:to>
+                                    </p:set>
+                                  </p:childTnLst>
+                                </p:cTn>
+                              </p:par>
+                            </p:childTnLst>
+                          </p:cTn>
+                        </p:par>
+                      </p:childTnLst>
+                    </p:cTn>
+                  </p:par>
+                </p:childTnLst>
+              </p:cTn>
+              <p:prevCondLst>
+                <p:cond evt="onPrev" delay="0">
+                  <p:tgtEl>
+                    <p:sldTgt/>
+                  </p:tgtEl>
+                </p:cond>
+              </p:prevCondLst>
+              <p:nextCondLst>
+                <p:cond evt="onNext" delay="0">
+                  <p:tgtEl>
+                    <p:sldTgt/>
+                  </p:tgtEl>
+                </p:cond>
+              </p:nextCondLst>
+            </p:seq>
+          </p:childTnLst>
+        </p:cTn>
+      </p:par>
+    </p:tnLst>
+    <p:bldLst>
+      <p:bldP spid="3" grpId="0" bldLvl="0" build="allAtOnce"/>
+      <p:bldP spid="3" grpId="1" build="p"/>
+      <p:bldP spid="4" grpId="0" bldLvl="0" build="allAtOnce"/>
+      <p:bldP spid="4" grpId="1" build="p"/>
+    </p:bldLst>
+  </p:timing>
 </p:sld>
 </file>
 
@@ -5051,7 +5596,7 @@
           <a:p>
             <a:r>
               <a:rPr lang="en-US" altLang="zh-CN"/>
-              <a:t>Node Exporter </a:t>
+              <a:t>Prometheus Monitor</a:t>
             </a:r>
             <a:endParaRPr lang="en-US" altLang="zh-CN"/>
           </a:p>
@@ -5059,94 +5604,22 @@
       </p:sp>
       <p:sp>
         <p:nvSpPr>
-          <p:cNvPr id="4" name="内容占位符 3"/>
-          <p:cNvSpPr>
-            <a:spLocks noGrp="1"/>
-          </p:cNvSpPr>
-          <p:nvPr>
-            <p:ph sz="half" idx="2"/>
-          </p:nvPr>
-        </p:nvSpPr>
-        <p:spPr>
-          <a:xfrm>
-            <a:off x="6172200" y="1513840"/>
-            <a:ext cx="5181600" cy="4351338"/>
-          </a:xfrm>
-        </p:spPr>
-        <p:txBody>
-          <a:bodyPr/>
-          <a:p>
-            <a:r>
-              <a:rPr lang="en-US" altLang="zh-CN"/>
-              <a:t>An open-source component of Prometheus by community</a:t>
-            </a:r>
-            <a:endParaRPr lang="en-US" altLang="zh-CN"/>
-          </a:p>
-          <a:p>
-            <a:r>
-              <a:rPr lang="en-US" altLang="zh-CN"/>
-              <a:t>use Node E</a:t>
-            </a:r>
-            <a:r>
-              <a:rPr lang="en-US" altLang="zh-CN"/>
-              <a:t>xporter to scrape software-level metrics</a:t>
-            </a:r>
-            <a:endParaRPr lang="en-US" altLang="zh-CN"/>
-          </a:p>
-          <a:p>
-            <a:r>
-              <a:rPr lang="en-US" altLang="zh-CN"/>
-              <a:t>deployed on every compute node and aggregate in Prometheus</a:t>
-            </a:r>
-            <a:endParaRPr lang="en-US" altLang="zh-CN"/>
-          </a:p>
-          <a:p>
-            <a:r>
-              <a:rPr lang="en-US" altLang="zh-CN"/>
-              <a:t>utilize </a:t>
-            </a:r>
-            <a:r>
-              <a:rPr lang="en-US" altLang="zh-CN" u="sng"/>
-              <a:t>TextCollector</a:t>
-            </a:r>
-            <a:r>
-              <a:rPr lang="en-US" altLang="zh-CN"/>
-              <a:t> to  scrape</a:t>
-            </a:r>
-            <a:r>
-              <a:rPr lang="en-US" altLang="zh-CN" u="sng"/>
-              <a:t> </a:t>
-            </a:r>
-            <a:r>
-              <a:rPr lang="en-US" altLang="zh-CN"/>
-              <a:t>custom metrics, including GPU and User details.</a:t>
-            </a:r>
-            <a:endParaRPr lang="en-US" altLang="zh-CN"/>
-          </a:p>
-        </p:txBody>
-      </p:sp>
-      <p:pic>
-        <p:nvPicPr>
-          <p:cNvPr id="3" name="图片 2"/>
-          <p:cNvPicPr/>
-          <p:nvPr/>
-        </p:nvPicPr>
-        <p:blipFill>
-          <a:blip r:embed="rId1"/>
-          <a:stretch>
-            <a:fillRect/>
-          </a:stretch>
-        </p:blipFill>
-        <p:spPr>
-          <a:xfrm>
-            <a:off x="351790" y="1691005"/>
-            <a:ext cx="5560695" cy="4394200"/>
-          </a:xfrm>
-          <a:prstGeom prst="rect">
-            <a:avLst/>
-          </a:prstGeom>
-        </p:spPr>
-      </p:pic>
+          <p:cNvPr id="3" name="文本占位符 2"/>
+          <p:cNvSpPr>
+            <a:spLocks noGrp="1"/>
+          </p:cNvSpPr>
+          <p:nvPr>
+            <p:ph type="body" idx="1"/>
+          </p:nvPr>
+        </p:nvSpPr>
+        <p:spPr/>
+        <p:txBody>
+          <a:bodyPr/>
+          <a:p>
+            <a:endParaRPr lang="zh-CN" altLang="en-US"/>
+          </a:p>
+        </p:txBody>
+      </p:sp>
     </p:spTree>
   </p:cSld>
   <p:clrMapOvr>
@@ -5175,31 +5648,22 @@
             <p:ph type="title"/>
           </p:nvPr>
         </p:nvSpPr>
-        <p:spPr>
-          <a:xfrm>
-            <a:off x="838200" y="365125"/>
-            <a:ext cx="5622925" cy="1325880"/>
-          </a:xfrm>
-        </p:spPr>
-        <p:txBody>
-          <a:bodyPr/>
-          <a:p>
-            <a:r>
-              <a:rPr lang="en-US" altLang="zh-CN">
-                <a:sym typeface="+mn-ea"/>
-              </a:rPr>
-              <a:t>Custom Scripts </a:t>
-            </a:r>
-            <a:endParaRPr lang="zh-CN" altLang="en-US"/>
+        <p:spPr/>
+        <p:txBody>
+          <a:bodyPr/>
+          <a:p>
+            <a:r>
+              <a:rPr lang="en-US" altLang="zh-CN"/>
+              <a:t>Alertmanager for complex alerts handling</a:t>
+            </a:r>
+            <a:endParaRPr lang="en-US" altLang="zh-CN"/>
           </a:p>
         </p:txBody>
       </p:sp>
       <p:pic>
         <p:nvPicPr>
-          <p:cNvPr id="10" name="图片 9" descr="carbon (2)"/>
-          <p:cNvPicPr>
-            <a:picLocks noChangeAspect="1"/>
-          </p:cNvPicPr>
+          <p:cNvPr id="5" name="图片 4"/>
+          <p:cNvPicPr/>
           <p:nvPr/>
         </p:nvPicPr>
         <p:blipFill>
@@ -5210,174 +5674,14 @@
         </p:blipFill>
         <p:spPr>
           <a:xfrm>
-            <a:off x="-80645" y="1273810"/>
-            <a:ext cx="6779895" cy="4323715"/>
+            <a:off x="1871980" y="1516380"/>
+            <a:ext cx="8907780" cy="4922520"/>
           </a:xfrm>
           <a:prstGeom prst="rect">
             <a:avLst/>
           </a:prstGeom>
         </p:spPr>
       </p:pic>
-      <p:pic>
-        <p:nvPicPr>
-          <p:cNvPr id="11" name="图片 10" descr="carbon (3)"/>
-          <p:cNvPicPr>
-            <a:picLocks noChangeAspect="1"/>
-          </p:cNvPicPr>
-          <p:nvPr/>
-        </p:nvPicPr>
-        <p:blipFill>
-          <a:blip r:embed="rId2"/>
-          <a:stretch>
-            <a:fillRect/>
-          </a:stretch>
-        </p:blipFill>
-        <p:spPr>
-          <a:xfrm>
-            <a:off x="6461760" y="-168910"/>
-            <a:ext cx="5995670" cy="6769735"/>
-          </a:xfrm>
-          <a:prstGeom prst="rect">
-            <a:avLst/>
-          </a:prstGeom>
-        </p:spPr>
-      </p:pic>
-      <p:sp>
-        <p:nvSpPr>
-          <p:cNvPr id="12" name="文本框 11"/>
-          <p:cNvSpPr txBox="1"/>
-          <p:nvPr/>
-        </p:nvSpPr>
-        <p:spPr>
-          <a:xfrm>
-            <a:off x="424180" y="5843905"/>
-            <a:ext cx="1902460" cy="368300"/>
-          </a:xfrm>
-          <a:prstGeom prst="rect">
-            <a:avLst/>
-          </a:prstGeom>
-          <a:noFill/>
-        </p:spPr>
-        <p:txBody>
-          <a:bodyPr wrap="square" rtlCol="0">
-            <a:spAutoFit/>
-          </a:bodyPr>
-          <a:p>
-            <a:r>
-              <a:rPr lang="en-US" altLang="zh-CN"/>
-              <a:t>script for user info</a:t>
-            </a:r>
-            <a:endParaRPr lang="en-US" altLang="zh-CN"/>
-          </a:p>
-        </p:txBody>
-      </p:sp>
-      <p:sp>
-        <p:nvSpPr>
-          <p:cNvPr id="13" name="文本框 12"/>
-          <p:cNvSpPr txBox="1"/>
-          <p:nvPr/>
-        </p:nvSpPr>
-        <p:spPr>
-          <a:xfrm>
-            <a:off x="3484880" y="5843905"/>
-            <a:ext cx="2526665" cy="368300"/>
-          </a:xfrm>
-          <a:prstGeom prst="rect">
-            <a:avLst/>
-          </a:prstGeom>
-          <a:noFill/>
-        </p:spPr>
-        <p:txBody>
-          <a:bodyPr wrap="square" rtlCol="0">
-            <a:spAutoFit/>
-          </a:bodyPr>
-          <a:p>
-            <a:r>
-              <a:rPr lang="en-US" altLang="zh-CN"/>
-              <a:t>script for Nvidia GPU info</a:t>
-            </a:r>
-            <a:endParaRPr lang="en-US" altLang="zh-CN"/>
-          </a:p>
-        </p:txBody>
-      </p:sp>
-      <p:sp>
-        <p:nvSpPr>
-          <p:cNvPr id="14" name="上箭头 13"/>
-          <p:cNvSpPr/>
-          <p:nvPr/>
-        </p:nvSpPr>
-        <p:spPr>
-          <a:xfrm>
-            <a:off x="1210310" y="5271135"/>
-            <a:ext cx="485775" cy="499110"/>
-          </a:xfrm>
-          <a:prstGeom prst="upArrow">
-            <a:avLst/>
-          </a:prstGeom>
-        </p:spPr>
-        <p:style>
-          <a:lnRef idx="2">
-            <a:schemeClr val="accent1">
-              <a:lumMod val="75000"/>
-            </a:schemeClr>
-          </a:lnRef>
-          <a:fillRef idx="1">
-            <a:schemeClr val="accent1"/>
-          </a:fillRef>
-          <a:effectRef idx="0">
-            <a:srgbClr val="FFFFFF"/>
-          </a:effectRef>
-          <a:fontRef idx="minor">
-            <a:schemeClr val="lt1"/>
-          </a:fontRef>
-        </p:style>
-        <p:txBody>
-          <a:bodyPr rtlCol="0" anchor="ctr"/>
-          <a:p>
-            <a:pPr algn="ctr"/>
-            <a:endParaRPr lang="zh-CN" altLang="en-US"/>
-          </a:p>
-        </p:txBody>
-      </p:sp>
-      <p:sp>
-        <p:nvSpPr>
-          <p:cNvPr id="15" name="右箭头 14"/>
-          <p:cNvSpPr/>
-          <p:nvPr/>
-        </p:nvSpPr>
-        <p:spPr>
-          <a:xfrm>
-            <a:off x="6177280" y="5770245"/>
-            <a:ext cx="451485" cy="485775"/>
-          </a:xfrm>
-          <a:prstGeom prst="rightArrow">
-            <a:avLst/>
-          </a:prstGeom>
-        </p:spPr>
-        <p:style>
-          <a:lnRef idx="2">
-            <a:schemeClr val="accent1">
-              <a:lumMod val="75000"/>
-            </a:schemeClr>
-          </a:lnRef>
-          <a:fillRef idx="1">
-            <a:schemeClr val="accent1"/>
-          </a:fillRef>
-          <a:effectRef idx="0">
-            <a:srgbClr val="FFFFFF"/>
-          </a:effectRef>
-          <a:fontRef idx="minor">
-            <a:schemeClr val="lt1"/>
-          </a:fontRef>
-        </p:style>
-        <p:txBody>
-          <a:bodyPr rtlCol="0" anchor="ctr"/>
-          <a:p>
-            <a:pPr algn="ctr"/>
-            <a:endParaRPr lang="zh-CN" altLang="en-US"/>
-          </a:p>
-        </p:txBody>
-      </p:sp>
     </p:spTree>
   </p:cSld>
   <p:clrMapOvr>
@@ -5406,124 +5710,106 @@
             <p:ph type="title"/>
           </p:nvPr>
         </p:nvSpPr>
+        <p:spPr>
+          <a:xfrm>
+            <a:off x="164465" y="365125"/>
+            <a:ext cx="12027535" cy="1325880"/>
+          </a:xfrm>
+        </p:spPr>
+        <p:txBody>
+          <a:bodyPr>
+            <a:normAutofit fontScale="90000"/>
+          </a:bodyPr>
+          <a:p>
+            <a:r>
+              <a:rPr lang="en-US" altLang="zh-CN"/>
+              <a:t>Alertmanager - Centralized Alert Handling in Prometheus</a:t>
+            </a:r>
+            <a:endParaRPr lang="en-US" altLang="zh-CN"/>
+          </a:p>
+        </p:txBody>
+      </p:sp>
+      <p:sp>
+        <p:nvSpPr>
+          <p:cNvPr id="3" name="内容占位符 2"/>
+          <p:cNvSpPr>
+            <a:spLocks noGrp="1"/>
+          </p:cNvSpPr>
+          <p:nvPr>
+            <p:ph sz="half" idx="1"/>
+          </p:nvPr>
+        </p:nvSpPr>
         <p:spPr/>
         <p:txBody>
           <a:bodyPr/>
           <a:p>
             <a:r>
-              <a:rPr lang="en-US" altLang="zh-CN">
-                <a:sym typeface="+mn-ea"/>
-              </a:rPr>
-              <a:t>Visualization</a:t>
-            </a:r>
-            <a:endParaRPr lang="zh-CN" altLang="en-US"/>
-          </a:p>
-        </p:txBody>
-      </p:sp>
-      <p:pic>
-        <p:nvPicPr>
-          <p:cNvPr id="6" name="内容占位符 5"/>
-          <p:cNvPicPr>
-            <a:picLocks noChangeAspect="1"/>
-          </p:cNvPicPr>
-          <p:nvPr>
-            <p:ph sz="half" idx="1"/>
-          </p:nvPr>
-        </p:nvPicPr>
-        <p:blipFill>
-          <a:blip r:embed="rId1"/>
-          <a:stretch>
-            <a:fillRect/>
-          </a:stretch>
-        </p:blipFill>
-        <p:spPr>
-          <a:xfrm>
-            <a:off x="506095" y="1744345"/>
-            <a:ext cx="5181600" cy="2331085"/>
-          </a:xfrm>
-          <a:prstGeom prst="rect">
-            <a:avLst/>
-          </a:prstGeom>
-        </p:spPr>
-      </p:pic>
-      <p:pic>
-        <p:nvPicPr>
-          <p:cNvPr id="7" name="内容占位符 6"/>
-          <p:cNvPicPr>
-            <a:picLocks noChangeAspect="1"/>
-          </p:cNvPicPr>
+              <a:rPr lang="en-US" altLang="zh-CN"/>
+              <a:t>Alertmanager is a component of the Prometheus ecosystem that handles alerts generated by Prometheus based on user-defined PromQL queries.</a:t>
+            </a:r>
+            <a:endParaRPr lang="en-US" altLang="zh-CN"/>
+          </a:p>
+          <a:p>
+            <a:r>
+              <a:rPr lang="en-US" altLang="zh-CN"/>
+              <a:t>It acts as the centralized alert handling system, processing and managing the alerts sent from Prometheus.</a:t>
+            </a:r>
+            <a:endParaRPr lang="en-US" altLang="zh-CN"/>
+          </a:p>
+        </p:txBody>
+      </p:sp>
+      <p:sp>
+        <p:nvSpPr>
+          <p:cNvPr id="4" name="内容占位符 3"/>
+          <p:cNvSpPr>
+            <a:spLocks noGrp="1"/>
+          </p:cNvSpPr>
           <p:nvPr>
             <p:ph sz="half" idx="2"/>
           </p:nvPr>
-        </p:nvPicPr>
-        <p:blipFill>
-          <a:blip r:embed="rId2"/>
-          <a:stretch>
-            <a:fillRect/>
-          </a:stretch>
-        </p:blipFill>
-        <p:spPr>
-          <a:xfrm>
-            <a:off x="6096000" y="4166235"/>
-            <a:ext cx="5181600" cy="2393950"/>
-          </a:xfrm>
-          <a:prstGeom prst="rect">
-            <a:avLst/>
-          </a:prstGeom>
-        </p:spPr>
-      </p:pic>
-      <p:sp>
-        <p:nvSpPr>
-          <p:cNvPr id="3" name="文本框 2"/>
-          <p:cNvSpPr txBox="1"/>
-          <p:nvPr/>
-        </p:nvSpPr>
-        <p:spPr>
-          <a:xfrm>
-            <a:off x="6096000" y="2357120"/>
-            <a:ext cx="5966460" cy="1198880"/>
-          </a:xfrm>
-          <a:prstGeom prst="rect">
-            <a:avLst/>
-          </a:prstGeom>
-          <a:noFill/>
-        </p:spPr>
-        <p:txBody>
-          <a:bodyPr wrap="square" rtlCol="0">
-            <a:spAutoFit/>
-          </a:bodyPr>
-          <a:p>
-            <a:pPr marL="285750" indent="-285750">
-              <a:buFont typeface="Arial" panose="020B0604020202020204" pitchFamily="34" charset="0"/>
-              <a:buChar char="•"/>
-            </a:pPr>
-            <a:r>
-              <a:rPr lang="en-US" altLang="zh-CN" sz="2400"/>
-              <a:t>use echart.js to display metrics more clearly</a:t>
+        </p:nvSpPr>
+        <p:spPr>
+          <a:xfrm>
+            <a:off x="6172200" y="1825625"/>
+            <a:ext cx="5914390" cy="4351655"/>
+          </a:xfrm>
+        </p:spPr>
+        <p:txBody>
+          <a:bodyPr/>
+          <a:p>
+            <a:r>
+              <a:rPr lang="en-US" altLang="zh-CN"/>
+              <a:t> Alerting Workflow with Webhooks</a:t>
+            </a:r>
+            <a:endParaRPr lang="en-US" altLang="zh-CN"/>
+          </a:p>
+          <a:p>
+            <a:pPr lvl="1"/>
+            <a:r>
+              <a:rPr lang="en-US" altLang="zh-CN"/>
+              <a:t>Prometheus queries metrics with PromQL and detects when thresholds are exceeded, triggering alerts.</a:t>
             </a:r>
             <a:endParaRPr lang="en-US" altLang="zh-CN" sz="2400"/>
           </a:p>
           <a:p>
-            <a:pPr marL="285750" indent="-285750">
-              <a:buFont typeface="Arial" panose="020B0604020202020204" pitchFamily="34" charset="0"/>
-              <a:buChar char="•"/>
-            </a:pPr>
-            <a:r>
-              <a:rPr lang="en-US" altLang="zh-CN" sz="2400"/>
-              <a:t>allow zooming function</a:t>
+            <a:pPr lvl="1"/>
+            <a:r>
+              <a:rPr lang="en-US" altLang="zh-CN"/>
+              <a:t>Alerts are sent to Alertmanager, which processes and categorizes them based on predefined rules.</a:t>
             </a:r>
             <a:endParaRPr lang="en-US" altLang="zh-CN" sz="2400"/>
           </a:p>
           <a:p>
-            <a:pPr marL="285750" indent="-285750">
-              <a:buFont typeface="Arial" panose="020B0604020202020204" pitchFamily="34" charset="0"/>
-              <a:buChar char="•"/>
-            </a:pPr>
-            <a:r>
-              <a:rPr lang="en-US" altLang="zh-CN" sz="2400"/>
-              <a:t>monitor clusters seperately</a:t>
-            </a:r>
-            <a:endParaRPr lang="en-US" altLang="zh-CN" sz="2400"/>
+            <a:pPr lvl="1"/>
+            <a:r>
+              <a:rPr lang="en-US" altLang="zh-CN"/>
+              <a:t>Alertmanager sends the processed alerts to external systems via Webhooks.</a:t>
+            </a:r>
+            <a:endParaRPr lang="en-US" altLang="zh-CN"/>
+          </a:p>
+          <a:p>
+            <a:pPr lvl="1"/>
+            <a:endParaRPr lang="en-US" altLang="zh-CN"/>
           </a:p>
         </p:txBody>
       </p:sp>
@@ -5536,6 +5822,666 @@
 </file>
 
 <file path=ppt/slides/slide23.xml><?xml version="1.0" encoding="utf-8"?>
+<p:sld xmlns:a="http://schemas.openxmlformats.org/drawingml/2006/main" xmlns:r="http://schemas.openxmlformats.org/officeDocument/2006/relationships" xmlns:p="http://schemas.openxmlformats.org/presentationml/2006/main">
+  <p:cSld>
+    <p:spTree>
+      <p:nvGrpSpPr>
+        <p:cNvPr id="1" name=""/>
+        <p:cNvGrpSpPr/>
+        <p:nvPr/>
+      </p:nvGrpSpPr>
+      <p:grpSpPr/>
+      <p:sp>
+        <p:nvSpPr>
+          <p:cNvPr id="2" name="标题 1"/>
+          <p:cNvSpPr>
+            <a:spLocks noGrp="1"/>
+          </p:cNvSpPr>
+          <p:nvPr>
+            <p:ph type="title"/>
+          </p:nvPr>
+        </p:nvSpPr>
+        <p:spPr>
+          <a:xfrm>
+            <a:off x="164465" y="365125"/>
+            <a:ext cx="12027535" cy="1325880"/>
+          </a:xfrm>
+        </p:spPr>
+        <p:txBody>
+          <a:bodyPr>
+            <a:normAutofit fontScale="90000"/>
+          </a:bodyPr>
+          <a:p>
+            <a:r>
+              <a:rPr lang="en-US" altLang="zh-CN"/>
+              <a:t>Alertmanager - Centralized Alert Handling in Prometheus</a:t>
+            </a:r>
+            <a:endParaRPr lang="en-US" altLang="zh-CN"/>
+          </a:p>
+        </p:txBody>
+      </p:sp>
+      <p:sp>
+        <p:nvSpPr>
+          <p:cNvPr id="3" name="内容占位符 2"/>
+          <p:cNvSpPr>
+            <a:spLocks noGrp="1"/>
+          </p:cNvSpPr>
+          <p:nvPr>
+            <p:ph sz="half" idx="1"/>
+          </p:nvPr>
+        </p:nvSpPr>
+        <p:spPr/>
+        <p:txBody>
+          <a:bodyPr/>
+          <a:p>
+            <a:r>
+              <a:rPr lang="en-US" altLang="zh-CN"/>
+              <a:t>Configuration</a:t>
+            </a:r>
+            <a:endParaRPr lang="en-US" altLang="zh-CN"/>
+          </a:p>
+        </p:txBody>
+      </p:sp>
+      <p:sp>
+        <p:nvSpPr>
+          <p:cNvPr id="4" name="内容占位符 3"/>
+          <p:cNvSpPr>
+            <a:spLocks noGrp="1"/>
+          </p:cNvSpPr>
+          <p:nvPr>
+            <p:ph sz="half" idx="2"/>
+          </p:nvPr>
+        </p:nvSpPr>
+        <p:spPr>
+          <a:xfrm>
+            <a:off x="6172200" y="1825625"/>
+            <a:ext cx="5914390" cy="4351655"/>
+          </a:xfrm>
+        </p:spPr>
+        <p:txBody>
+          <a:bodyPr/>
+          <a:p>
+            <a:r>
+              <a:rPr lang="en-US" altLang="zh-CN"/>
+              <a:t> Prometheus Configuration</a:t>
+            </a:r>
+            <a:endParaRPr lang="en-US" altLang="zh-CN"/>
+          </a:p>
+          <a:p>
+            <a:pPr marL="457200" lvl="1" indent="0">
+              <a:buNone/>
+            </a:pPr>
+            <a:endParaRPr lang="en-US" altLang="zh-CN"/>
+          </a:p>
+        </p:txBody>
+      </p:sp>
+      <p:pic>
+        <p:nvPicPr>
+          <p:cNvPr id="5" name="图片 4"/>
+          <p:cNvPicPr>
+            <a:picLocks noChangeAspect="1"/>
+          </p:cNvPicPr>
+          <p:nvPr/>
+        </p:nvPicPr>
+        <p:blipFill>
+          <a:blip r:embed="rId1"/>
+          <a:stretch>
+            <a:fillRect/>
+          </a:stretch>
+        </p:blipFill>
+        <p:spPr>
+          <a:xfrm>
+            <a:off x="321945" y="2694940"/>
+            <a:ext cx="5601335" cy="2503805"/>
+          </a:xfrm>
+          <a:prstGeom prst="rect">
+            <a:avLst/>
+          </a:prstGeom>
+        </p:spPr>
+      </p:pic>
+      <p:pic>
+        <p:nvPicPr>
+          <p:cNvPr id="6" name="图片 5"/>
+          <p:cNvPicPr>
+            <a:picLocks noChangeAspect="1"/>
+          </p:cNvPicPr>
+          <p:nvPr/>
+        </p:nvPicPr>
+        <p:blipFill>
+          <a:blip r:embed="rId2"/>
+          <a:stretch>
+            <a:fillRect/>
+          </a:stretch>
+        </p:blipFill>
+        <p:spPr>
+          <a:xfrm>
+            <a:off x="6222365" y="3192145"/>
+            <a:ext cx="5280660" cy="1755140"/>
+          </a:xfrm>
+          <a:prstGeom prst="rect">
+            <a:avLst/>
+          </a:prstGeom>
+        </p:spPr>
+      </p:pic>
+    </p:spTree>
+  </p:cSld>
+  <p:clrMapOvr>
+    <a:masterClrMapping/>
+  </p:clrMapOvr>
+</p:sld>
+</file>
+
+<file path=ppt/slides/slide24.xml><?xml version="1.0" encoding="utf-8"?>
+<p:sld xmlns:a="http://schemas.openxmlformats.org/drawingml/2006/main" xmlns:r="http://schemas.openxmlformats.org/officeDocument/2006/relationships" xmlns:p="http://schemas.openxmlformats.org/presentationml/2006/main">
+  <p:cSld>
+    <p:spTree>
+      <p:nvGrpSpPr>
+        <p:cNvPr id="1" name=""/>
+        <p:cNvGrpSpPr/>
+        <p:nvPr/>
+      </p:nvGrpSpPr>
+      <p:grpSpPr/>
+      <p:sp>
+        <p:nvSpPr>
+          <p:cNvPr id="2" name="标题 1"/>
+          <p:cNvSpPr>
+            <a:spLocks noGrp="1"/>
+          </p:cNvSpPr>
+          <p:nvPr>
+            <p:ph type="title"/>
+          </p:nvPr>
+        </p:nvSpPr>
+        <p:spPr/>
+        <p:txBody>
+          <a:bodyPr/>
+          <a:p>
+            <a:r>
+              <a:rPr lang="en-US" altLang="zh-CN"/>
+              <a:t>Node Exporter </a:t>
+            </a:r>
+            <a:endParaRPr lang="en-US" altLang="zh-CN"/>
+          </a:p>
+        </p:txBody>
+      </p:sp>
+      <p:sp>
+        <p:nvSpPr>
+          <p:cNvPr id="4" name="内容占位符 3"/>
+          <p:cNvSpPr>
+            <a:spLocks noGrp="1"/>
+          </p:cNvSpPr>
+          <p:nvPr>
+            <p:ph sz="half" idx="2"/>
+          </p:nvPr>
+        </p:nvSpPr>
+        <p:spPr>
+          <a:xfrm>
+            <a:off x="6172200" y="1513840"/>
+            <a:ext cx="5181600" cy="4351338"/>
+          </a:xfrm>
+        </p:spPr>
+        <p:txBody>
+          <a:bodyPr/>
+          <a:p>
+            <a:r>
+              <a:rPr lang="en-US" altLang="zh-CN"/>
+              <a:t>An open-source component of Prometheus by community</a:t>
+            </a:r>
+            <a:endParaRPr lang="en-US" altLang="zh-CN"/>
+          </a:p>
+          <a:p>
+            <a:r>
+              <a:rPr lang="en-US" altLang="zh-CN"/>
+              <a:t>use Node E</a:t>
+            </a:r>
+            <a:r>
+              <a:rPr lang="en-US" altLang="zh-CN"/>
+              <a:t>xporter to scrape software-level metrics</a:t>
+            </a:r>
+            <a:endParaRPr lang="en-US" altLang="zh-CN"/>
+          </a:p>
+          <a:p>
+            <a:r>
+              <a:rPr lang="en-US" altLang="zh-CN"/>
+              <a:t>deployed on every compute node and aggregate in Prometheus</a:t>
+            </a:r>
+            <a:endParaRPr lang="en-US" altLang="zh-CN"/>
+          </a:p>
+          <a:p>
+            <a:r>
+              <a:rPr lang="en-US" altLang="zh-CN"/>
+              <a:t>utilize </a:t>
+            </a:r>
+            <a:r>
+              <a:rPr lang="en-US" altLang="zh-CN" u="sng"/>
+              <a:t>TextCollector</a:t>
+            </a:r>
+            <a:r>
+              <a:rPr lang="en-US" altLang="zh-CN"/>
+              <a:t> to  scrape</a:t>
+            </a:r>
+            <a:r>
+              <a:rPr lang="en-US" altLang="zh-CN" u="sng"/>
+              <a:t> </a:t>
+            </a:r>
+            <a:r>
+              <a:rPr lang="en-US" altLang="zh-CN"/>
+              <a:t>custom metrics, including GPU and User details.</a:t>
+            </a:r>
+            <a:endParaRPr lang="en-US" altLang="zh-CN"/>
+          </a:p>
+        </p:txBody>
+      </p:sp>
+      <p:pic>
+        <p:nvPicPr>
+          <p:cNvPr id="3" name="图片 2"/>
+          <p:cNvPicPr/>
+          <p:nvPr/>
+        </p:nvPicPr>
+        <p:blipFill>
+          <a:blip r:embed="rId1"/>
+          <a:stretch>
+            <a:fillRect/>
+          </a:stretch>
+        </p:blipFill>
+        <p:spPr>
+          <a:xfrm>
+            <a:off x="351790" y="1691005"/>
+            <a:ext cx="5560695" cy="4394200"/>
+          </a:xfrm>
+          <a:prstGeom prst="rect">
+            <a:avLst/>
+          </a:prstGeom>
+        </p:spPr>
+      </p:pic>
+    </p:spTree>
+  </p:cSld>
+  <p:clrMapOvr>
+    <a:masterClrMapping/>
+  </p:clrMapOvr>
+</p:sld>
+</file>
+
+<file path=ppt/slides/slide25.xml><?xml version="1.0" encoding="utf-8"?>
+<p:sld xmlns:a="http://schemas.openxmlformats.org/drawingml/2006/main" xmlns:r="http://schemas.openxmlformats.org/officeDocument/2006/relationships" xmlns:p="http://schemas.openxmlformats.org/presentationml/2006/main">
+  <p:cSld>
+    <p:spTree>
+      <p:nvGrpSpPr>
+        <p:cNvPr id="1" name=""/>
+        <p:cNvGrpSpPr/>
+        <p:nvPr/>
+      </p:nvGrpSpPr>
+      <p:grpSpPr/>
+      <p:sp>
+        <p:nvSpPr>
+          <p:cNvPr id="2" name="标题 1"/>
+          <p:cNvSpPr>
+            <a:spLocks noGrp="1"/>
+          </p:cNvSpPr>
+          <p:nvPr>
+            <p:ph type="title"/>
+          </p:nvPr>
+        </p:nvSpPr>
+        <p:spPr>
+          <a:xfrm>
+            <a:off x="838200" y="365125"/>
+            <a:ext cx="5622925" cy="1325880"/>
+          </a:xfrm>
+        </p:spPr>
+        <p:txBody>
+          <a:bodyPr/>
+          <a:p>
+            <a:r>
+              <a:rPr lang="en-US" altLang="zh-CN">
+                <a:sym typeface="+mn-ea"/>
+              </a:rPr>
+              <a:t>Custom Scripts </a:t>
+            </a:r>
+            <a:endParaRPr lang="zh-CN" altLang="en-US"/>
+          </a:p>
+        </p:txBody>
+      </p:sp>
+      <p:pic>
+        <p:nvPicPr>
+          <p:cNvPr id="10" name="图片 9" descr="carbon (2)"/>
+          <p:cNvPicPr>
+            <a:picLocks noChangeAspect="1"/>
+          </p:cNvPicPr>
+          <p:nvPr/>
+        </p:nvPicPr>
+        <p:blipFill>
+          <a:blip r:embed="rId1"/>
+          <a:stretch>
+            <a:fillRect/>
+          </a:stretch>
+        </p:blipFill>
+        <p:spPr>
+          <a:xfrm>
+            <a:off x="-80645" y="1273810"/>
+            <a:ext cx="6779895" cy="4323715"/>
+          </a:xfrm>
+          <a:prstGeom prst="rect">
+            <a:avLst/>
+          </a:prstGeom>
+        </p:spPr>
+      </p:pic>
+      <p:pic>
+        <p:nvPicPr>
+          <p:cNvPr id="11" name="图片 10" descr="carbon (3)"/>
+          <p:cNvPicPr>
+            <a:picLocks noChangeAspect="1"/>
+          </p:cNvPicPr>
+          <p:nvPr/>
+        </p:nvPicPr>
+        <p:blipFill>
+          <a:blip r:embed="rId2"/>
+          <a:stretch>
+            <a:fillRect/>
+          </a:stretch>
+        </p:blipFill>
+        <p:spPr>
+          <a:xfrm>
+            <a:off x="6461760" y="-168910"/>
+            <a:ext cx="5995670" cy="6769735"/>
+          </a:xfrm>
+          <a:prstGeom prst="rect">
+            <a:avLst/>
+          </a:prstGeom>
+        </p:spPr>
+      </p:pic>
+      <p:sp>
+        <p:nvSpPr>
+          <p:cNvPr id="12" name="文本框 11"/>
+          <p:cNvSpPr txBox="1"/>
+          <p:nvPr/>
+        </p:nvSpPr>
+        <p:spPr>
+          <a:xfrm>
+            <a:off x="424180" y="5843905"/>
+            <a:ext cx="1902460" cy="368300"/>
+          </a:xfrm>
+          <a:prstGeom prst="rect">
+            <a:avLst/>
+          </a:prstGeom>
+          <a:noFill/>
+        </p:spPr>
+        <p:txBody>
+          <a:bodyPr wrap="square" rtlCol="0">
+            <a:spAutoFit/>
+          </a:bodyPr>
+          <a:p>
+            <a:r>
+              <a:rPr lang="en-US" altLang="zh-CN"/>
+              <a:t>script for user info</a:t>
+            </a:r>
+            <a:endParaRPr lang="en-US" altLang="zh-CN"/>
+          </a:p>
+        </p:txBody>
+      </p:sp>
+      <p:sp>
+        <p:nvSpPr>
+          <p:cNvPr id="13" name="文本框 12"/>
+          <p:cNvSpPr txBox="1"/>
+          <p:nvPr/>
+        </p:nvSpPr>
+        <p:spPr>
+          <a:xfrm>
+            <a:off x="3484880" y="5843905"/>
+            <a:ext cx="2526665" cy="368300"/>
+          </a:xfrm>
+          <a:prstGeom prst="rect">
+            <a:avLst/>
+          </a:prstGeom>
+          <a:noFill/>
+        </p:spPr>
+        <p:txBody>
+          <a:bodyPr wrap="square" rtlCol="0">
+            <a:spAutoFit/>
+          </a:bodyPr>
+          <a:p>
+            <a:r>
+              <a:rPr lang="en-US" altLang="zh-CN"/>
+              <a:t>script for Nvidia GPU info</a:t>
+            </a:r>
+            <a:endParaRPr lang="en-US" altLang="zh-CN"/>
+          </a:p>
+        </p:txBody>
+      </p:sp>
+      <p:sp>
+        <p:nvSpPr>
+          <p:cNvPr id="14" name="上箭头 13"/>
+          <p:cNvSpPr/>
+          <p:nvPr/>
+        </p:nvSpPr>
+        <p:spPr>
+          <a:xfrm>
+            <a:off x="1210310" y="5271135"/>
+            <a:ext cx="485775" cy="499110"/>
+          </a:xfrm>
+          <a:prstGeom prst="upArrow">
+            <a:avLst/>
+          </a:prstGeom>
+        </p:spPr>
+        <p:style>
+          <a:lnRef idx="2">
+            <a:schemeClr val="accent1">
+              <a:lumMod val="75000"/>
+            </a:schemeClr>
+          </a:lnRef>
+          <a:fillRef idx="1">
+            <a:schemeClr val="accent1"/>
+          </a:fillRef>
+          <a:effectRef idx="0">
+            <a:srgbClr val="FFFFFF"/>
+          </a:effectRef>
+          <a:fontRef idx="minor">
+            <a:schemeClr val="lt1"/>
+          </a:fontRef>
+        </p:style>
+        <p:txBody>
+          <a:bodyPr rtlCol="0" anchor="ctr"/>
+          <a:p>
+            <a:pPr algn="ctr"/>
+            <a:endParaRPr lang="zh-CN" altLang="en-US"/>
+          </a:p>
+        </p:txBody>
+      </p:sp>
+      <p:sp>
+        <p:nvSpPr>
+          <p:cNvPr id="15" name="右箭头 14"/>
+          <p:cNvSpPr/>
+          <p:nvPr/>
+        </p:nvSpPr>
+        <p:spPr>
+          <a:xfrm>
+            <a:off x="6177280" y="5770245"/>
+            <a:ext cx="451485" cy="485775"/>
+          </a:xfrm>
+          <a:prstGeom prst="rightArrow">
+            <a:avLst/>
+          </a:prstGeom>
+        </p:spPr>
+        <p:style>
+          <a:lnRef idx="2">
+            <a:schemeClr val="accent1">
+              <a:lumMod val="75000"/>
+            </a:schemeClr>
+          </a:lnRef>
+          <a:fillRef idx="1">
+            <a:schemeClr val="accent1"/>
+          </a:fillRef>
+          <a:effectRef idx="0">
+            <a:srgbClr val="FFFFFF"/>
+          </a:effectRef>
+          <a:fontRef idx="minor">
+            <a:schemeClr val="lt1"/>
+          </a:fontRef>
+        </p:style>
+        <p:txBody>
+          <a:bodyPr rtlCol="0" anchor="ctr"/>
+          <a:p>
+            <a:pPr algn="ctr"/>
+            <a:endParaRPr lang="zh-CN" altLang="en-US"/>
+          </a:p>
+        </p:txBody>
+      </p:sp>
+    </p:spTree>
+  </p:cSld>
+  <p:clrMapOvr>
+    <a:masterClrMapping/>
+  </p:clrMapOvr>
+</p:sld>
+</file>
+
+<file path=ppt/slides/slide26.xml><?xml version="1.0" encoding="utf-8"?>
+<p:sld xmlns:a="http://schemas.openxmlformats.org/drawingml/2006/main" xmlns:r="http://schemas.openxmlformats.org/officeDocument/2006/relationships" xmlns:p="http://schemas.openxmlformats.org/presentationml/2006/main">
+  <p:cSld>
+    <p:spTree>
+      <p:nvGrpSpPr>
+        <p:cNvPr id="1" name=""/>
+        <p:cNvGrpSpPr/>
+        <p:nvPr/>
+      </p:nvGrpSpPr>
+      <p:grpSpPr/>
+      <p:sp>
+        <p:nvSpPr>
+          <p:cNvPr id="2" name="标题 1"/>
+          <p:cNvSpPr>
+            <a:spLocks noGrp="1"/>
+          </p:cNvSpPr>
+          <p:nvPr>
+            <p:ph type="title"/>
+          </p:nvPr>
+        </p:nvSpPr>
+        <p:spPr/>
+        <p:txBody>
+          <a:bodyPr/>
+          <a:p>
+            <a:r>
+              <a:rPr lang="en-US" altLang="zh-CN">
+                <a:sym typeface="+mn-ea"/>
+              </a:rPr>
+              <a:t>Visualization</a:t>
+            </a:r>
+            <a:endParaRPr lang="zh-CN" altLang="en-US"/>
+          </a:p>
+        </p:txBody>
+      </p:sp>
+      <p:pic>
+        <p:nvPicPr>
+          <p:cNvPr id="6" name="内容占位符 5"/>
+          <p:cNvPicPr>
+            <a:picLocks noChangeAspect="1"/>
+          </p:cNvPicPr>
+          <p:nvPr>
+            <p:ph sz="half" idx="1"/>
+          </p:nvPr>
+        </p:nvPicPr>
+        <p:blipFill>
+          <a:blip r:embed="rId1"/>
+          <a:stretch>
+            <a:fillRect/>
+          </a:stretch>
+        </p:blipFill>
+        <p:spPr>
+          <a:xfrm>
+            <a:off x="506095" y="1744345"/>
+            <a:ext cx="5181600" cy="2331085"/>
+          </a:xfrm>
+          <a:prstGeom prst="rect">
+            <a:avLst/>
+          </a:prstGeom>
+        </p:spPr>
+      </p:pic>
+      <p:pic>
+        <p:nvPicPr>
+          <p:cNvPr id="7" name="内容占位符 6"/>
+          <p:cNvPicPr>
+            <a:picLocks noChangeAspect="1"/>
+          </p:cNvPicPr>
+          <p:nvPr>
+            <p:ph sz="half" idx="2"/>
+          </p:nvPr>
+        </p:nvPicPr>
+        <p:blipFill>
+          <a:blip r:embed="rId2"/>
+          <a:stretch>
+            <a:fillRect/>
+          </a:stretch>
+        </p:blipFill>
+        <p:spPr>
+          <a:xfrm>
+            <a:off x="6096000" y="4166235"/>
+            <a:ext cx="5181600" cy="2393950"/>
+          </a:xfrm>
+          <a:prstGeom prst="rect">
+            <a:avLst/>
+          </a:prstGeom>
+        </p:spPr>
+      </p:pic>
+      <p:sp>
+        <p:nvSpPr>
+          <p:cNvPr id="3" name="文本框 2"/>
+          <p:cNvSpPr txBox="1"/>
+          <p:nvPr/>
+        </p:nvSpPr>
+        <p:spPr>
+          <a:xfrm>
+            <a:off x="6096000" y="2357120"/>
+            <a:ext cx="5966460" cy="1198880"/>
+          </a:xfrm>
+          <a:prstGeom prst="rect">
+            <a:avLst/>
+          </a:prstGeom>
+          <a:noFill/>
+        </p:spPr>
+        <p:txBody>
+          <a:bodyPr wrap="square" rtlCol="0">
+            <a:spAutoFit/>
+          </a:bodyPr>
+          <a:p>
+            <a:pPr marL="285750" indent="-285750">
+              <a:buFont typeface="Arial" panose="020B0604020202020204" pitchFamily="34" charset="0"/>
+              <a:buChar char="•"/>
+            </a:pPr>
+            <a:r>
+              <a:rPr lang="en-US" altLang="zh-CN" sz="2400"/>
+              <a:t>use echart.js to display metrics more clearly</a:t>
+            </a:r>
+            <a:endParaRPr lang="en-US" altLang="zh-CN" sz="2400"/>
+          </a:p>
+          <a:p>
+            <a:pPr marL="285750" indent="-285750">
+              <a:buFont typeface="Arial" panose="020B0604020202020204" pitchFamily="34" charset="0"/>
+              <a:buChar char="•"/>
+            </a:pPr>
+            <a:r>
+              <a:rPr lang="en-US" altLang="zh-CN" sz="2400"/>
+              <a:t>allow zooming function</a:t>
+            </a:r>
+            <a:endParaRPr lang="en-US" altLang="zh-CN" sz="2400"/>
+          </a:p>
+          <a:p>
+            <a:pPr marL="285750" indent="-285750">
+              <a:buFont typeface="Arial" panose="020B0604020202020204" pitchFamily="34" charset="0"/>
+              <a:buChar char="•"/>
+            </a:pPr>
+            <a:r>
+              <a:rPr lang="en-US" altLang="zh-CN" sz="2400"/>
+              <a:t>monitor clusters seperately</a:t>
+            </a:r>
+            <a:endParaRPr lang="en-US" altLang="zh-CN" sz="2400"/>
+          </a:p>
+        </p:txBody>
+      </p:sp>
+    </p:spTree>
+  </p:cSld>
+  <p:clrMapOvr>
+    <a:masterClrMapping/>
+  </p:clrMapOvr>
+</p:sld>
+</file>
+
+<file path=ppt/slides/slide27.xml><?xml version="1.0" encoding="utf-8"?>
 <p:sld xmlns:a="http://schemas.openxmlformats.org/drawingml/2006/main" xmlns:r="http://schemas.openxmlformats.org/officeDocument/2006/relationships" xmlns:p="http://schemas.openxmlformats.org/presentationml/2006/main">
   <p:cSld>
     <p:spTree>

--- a/docs/高性能集群监控系统.pptx
+++ b/docs/高性能集群监控系统.pptx
@@ -15,26 +15,25 @@
     <p:sldId id="303" r:id="rId8"/>
     <p:sldId id="302" r:id="rId9"/>
     <p:sldId id="305" r:id="rId10"/>
-    <p:sldId id="284" r:id="rId11"/>
-    <p:sldId id="266" r:id="rId12"/>
-    <p:sldId id="327" r:id="rId13"/>
-    <p:sldId id="353" r:id="rId14"/>
-    <p:sldId id="340" r:id="rId15"/>
-    <p:sldId id="328" r:id="rId16"/>
-    <p:sldId id="341" r:id="rId17"/>
-    <p:sldId id="262" r:id="rId18"/>
-    <p:sldId id="263" r:id="rId19"/>
-    <p:sldId id="273" r:id="rId20"/>
-    <p:sldId id="265" r:id="rId21"/>
-    <p:sldId id="355" r:id="rId22"/>
-    <p:sldId id="267" r:id="rId23"/>
-    <p:sldId id="268" r:id="rId24"/>
-    <p:sldId id="357" r:id="rId25"/>
-    <p:sldId id="369" r:id="rId26"/>
-    <p:sldId id="269" r:id="rId27"/>
-    <p:sldId id="281" r:id="rId28"/>
-    <p:sldId id="282" r:id="rId29"/>
-    <p:sldId id="271" r:id="rId30"/>
+    <p:sldId id="266" r:id="rId11"/>
+    <p:sldId id="327" r:id="rId12"/>
+    <p:sldId id="353" r:id="rId13"/>
+    <p:sldId id="340" r:id="rId14"/>
+    <p:sldId id="328" r:id="rId15"/>
+    <p:sldId id="341" r:id="rId16"/>
+    <p:sldId id="262" r:id="rId17"/>
+    <p:sldId id="263" r:id="rId18"/>
+    <p:sldId id="273" r:id="rId19"/>
+    <p:sldId id="265" r:id="rId20"/>
+    <p:sldId id="355" r:id="rId21"/>
+    <p:sldId id="267" r:id="rId22"/>
+    <p:sldId id="268" r:id="rId23"/>
+    <p:sldId id="357" r:id="rId24"/>
+    <p:sldId id="369" r:id="rId25"/>
+    <p:sldId id="269" r:id="rId26"/>
+    <p:sldId id="281" r:id="rId27"/>
+    <p:sldId id="282" r:id="rId28"/>
+    <p:sldId id="271" r:id="rId29"/>
   </p:sldIdLst>
   <p:sldSz cx="12192000" cy="6858000"/>
   <p:notesSz cx="6858000" cy="9144000"/>
@@ -3431,94 +3430,6 @@
           </a:p>
         </p:txBody>
       </p:sp>
-      <p:pic>
-        <p:nvPicPr>
-          <p:cNvPr id="5" name="图片 4"/>
-          <p:cNvPicPr>
-            <a:picLocks noChangeAspect="1"/>
-          </p:cNvPicPr>
-          <p:nvPr/>
-        </p:nvPicPr>
-        <p:blipFill>
-          <a:blip r:embed="rId1"/>
-          <a:stretch>
-            <a:fillRect/>
-          </a:stretch>
-        </p:blipFill>
-        <p:spPr>
-          <a:xfrm>
-            <a:off x="772795" y="1772920"/>
-            <a:ext cx="3937000" cy="4343400"/>
-          </a:xfrm>
-          <a:prstGeom prst="rect">
-            <a:avLst/>
-          </a:prstGeom>
-        </p:spPr>
-      </p:pic>
-      <p:pic>
-        <p:nvPicPr>
-          <p:cNvPr id="6" name="图片 5"/>
-          <p:cNvPicPr>
-            <a:picLocks noChangeAspect="1"/>
-          </p:cNvPicPr>
-          <p:nvPr/>
-        </p:nvPicPr>
-        <p:blipFill>
-          <a:blip r:embed="rId2"/>
-          <a:stretch>
-            <a:fillRect/>
-          </a:stretch>
-        </p:blipFill>
-        <p:spPr>
-          <a:xfrm>
-            <a:off x="4963160" y="1259840"/>
-            <a:ext cx="6680200" cy="5048250"/>
-          </a:xfrm>
-          <a:prstGeom prst="rect">
-            <a:avLst/>
-          </a:prstGeom>
-        </p:spPr>
-      </p:pic>
-    </p:spTree>
-  </p:cSld>
-  <p:clrMapOvr>
-    <a:masterClrMapping/>
-  </p:clrMapOvr>
-</p:sld>
-</file>
-
-<file path=ppt/slides/slide11.xml><?xml version="1.0" encoding="utf-8"?>
-<p:sld xmlns:a="http://schemas.openxmlformats.org/drawingml/2006/main" xmlns:r="http://schemas.openxmlformats.org/officeDocument/2006/relationships" xmlns:p="http://schemas.openxmlformats.org/presentationml/2006/main">
-  <p:cSld>
-    <p:spTree>
-      <p:nvGrpSpPr>
-        <p:cNvPr id="1" name=""/>
-        <p:cNvGrpSpPr/>
-        <p:nvPr/>
-      </p:nvGrpSpPr>
-      <p:grpSpPr/>
-      <p:sp>
-        <p:nvSpPr>
-          <p:cNvPr id="2" name="标题 1"/>
-          <p:cNvSpPr>
-            <a:spLocks noGrp="1"/>
-          </p:cNvSpPr>
-          <p:nvPr>
-            <p:ph type="title"/>
-          </p:nvPr>
-        </p:nvSpPr>
-        <p:spPr/>
-        <p:txBody>
-          <a:bodyPr/>
-          <a:p>
-            <a:r>
-              <a:rPr lang="en-US" altLang="zh-CN"/>
-              <a:t>Role-based access control(RBAC) </a:t>
-            </a:r>
-            <a:endParaRPr lang="en-US" altLang="zh-CN"/>
-          </a:p>
-        </p:txBody>
-      </p:sp>
       <p:sp>
         <p:nvSpPr>
           <p:cNvPr id="10" name="文本框 9"/>
@@ -3621,7 +3532,7 @@
 </p:sld>
 </file>
 
-<file path=ppt/slides/slide12.xml><?xml version="1.0" encoding="utf-8"?>
+<file path=ppt/slides/slide11.xml><?xml version="1.0" encoding="utf-8"?>
 <p:sld xmlns:a="http://schemas.openxmlformats.org/drawingml/2006/main" xmlns:r="http://schemas.openxmlformats.org/officeDocument/2006/relationships" xmlns:p="http://schemas.openxmlformats.org/presentationml/2006/main">
   <p:cSld>
     <p:spTree>
@@ -3877,7 +3788,7 @@
 </p:sld>
 </file>
 
-<file path=ppt/slides/slide13.xml><?xml version="1.0" encoding="utf-8"?>
+<file path=ppt/slides/slide12.xml><?xml version="1.0" encoding="utf-8"?>
 <p:sld xmlns:a="http://schemas.openxmlformats.org/drawingml/2006/main" xmlns:r="http://schemas.openxmlformats.org/officeDocument/2006/relationships" xmlns:p="http://schemas.openxmlformats.org/presentationml/2006/main">
   <p:cSld>
     <p:spTree>
@@ -4055,7 +3966,7 @@
 </p:sld>
 </file>
 
-<file path=ppt/slides/slide14.xml><?xml version="1.0" encoding="utf-8"?>
+<file path=ppt/slides/slide13.xml><?xml version="1.0" encoding="utf-8"?>
 <p:sld xmlns:a="http://schemas.openxmlformats.org/drawingml/2006/main" xmlns:r="http://schemas.openxmlformats.org/officeDocument/2006/relationships" xmlns:p="http://schemas.openxmlformats.org/presentationml/2006/main">
   <p:cSld>
     <p:spTree>
@@ -4188,8 +4099,8 @@
 </p:sld>
 </file>
 
-<file path=ppt/slides/slide15.xml><?xml version="1.0" encoding="utf-8"?>
-<p:sld xmlns:a="http://schemas.openxmlformats.org/drawingml/2006/main" xmlns:r="http://schemas.openxmlformats.org/officeDocument/2006/relationships" xmlns:p="http://schemas.openxmlformats.org/presentationml/2006/main">
+<file path=ppt/slides/slide14.xml><?xml version="1.0" encoding="utf-8"?>
+<p:sld xmlns:a="http://schemas.openxmlformats.org/drawingml/2006/main" xmlns:r="http://schemas.openxmlformats.org/officeDocument/2006/relationships" xmlns:p="http://schemas.openxmlformats.org/presentationml/2006/main" show="0">
   <p:cSld>
     <p:spTree>
       <p:nvGrpSpPr>
@@ -4261,10 +4172,11 @@
   <p:clrMapOvr>
     <a:masterClrMapping/>
   </p:clrMapOvr>
+  <p:transition/>
 </p:sld>
 </file>
 
-<file path=ppt/slides/slide16.xml><?xml version="1.0" encoding="utf-8"?>
+<file path=ppt/slides/slide15.xml><?xml version="1.0" encoding="utf-8"?>
 <p:sld xmlns:a="http://schemas.openxmlformats.org/drawingml/2006/main" xmlns:r="http://schemas.openxmlformats.org/officeDocument/2006/relationships" xmlns:p="http://schemas.openxmlformats.org/presentationml/2006/main">
   <p:cSld>
     <p:spTree>
@@ -4502,7 +4414,7 @@
 </p:sld>
 </file>
 
-<file path=ppt/slides/slide17.xml><?xml version="1.0" encoding="utf-8"?>
+<file path=ppt/slides/slide16.xml><?xml version="1.0" encoding="utf-8"?>
 <p:sld xmlns:a="http://schemas.openxmlformats.org/drawingml/2006/main" xmlns:r="http://schemas.openxmlformats.org/officeDocument/2006/relationships" xmlns:p="http://schemas.openxmlformats.org/presentationml/2006/main">
   <p:cSld>
     <p:spTree>
@@ -4811,7 +4723,7 @@
 </p:sld>
 </file>
 
-<file path=ppt/slides/slide18.xml><?xml version="1.0" encoding="utf-8"?>
+<file path=ppt/slides/slide17.xml><?xml version="1.0" encoding="utf-8"?>
 <p:sld xmlns:a="http://schemas.openxmlformats.org/drawingml/2006/main" xmlns:r="http://schemas.openxmlformats.org/officeDocument/2006/relationships" xmlns:p="http://schemas.openxmlformats.org/presentationml/2006/main">
   <p:cSld>
     <p:spTree>
@@ -4937,7 +4849,7 @@
 </p:sld>
 </file>
 
-<file path=ppt/slides/slide19.xml><?xml version="1.0" encoding="utf-8"?>
+<file path=ppt/slides/slide18.xml><?xml version="1.0" encoding="utf-8"?>
 <p:sld xmlns:a="http://schemas.openxmlformats.org/drawingml/2006/main" xmlns:r="http://schemas.openxmlformats.org/officeDocument/2006/relationships" xmlns:p="http://schemas.openxmlformats.org/presentationml/2006/main">
   <p:cSld>
     <p:spTree>
@@ -5478,6 +5390,64 @@
 </p:sld>
 </file>
 
+<file path=ppt/slides/slide19.xml><?xml version="1.0" encoding="utf-8"?>
+<p:sld xmlns:a="http://schemas.openxmlformats.org/drawingml/2006/main" xmlns:r="http://schemas.openxmlformats.org/officeDocument/2006/relationships" xmlns:p="http://schemas.openxmlformats.org/presentationml/2006/main">
+  <p:cSld>
+    <p:spTree>
+      <p:nvGrpSpPr>
+        <p:cNvPr id="1" name=""/>
+        <p:cNvGrpSpPr/>
+        <p:nvPr/>
+      </p:nvGrpSpPr>
+      <p:grpSpPr/>
+      <p:sp>
+        <p:nvSpPr>
+          <p:cNvPr id="2" name="标题 1"/>
+          <p:cNvSpPr>
+            <a:spLocks noGrp="1"/>
+          </p:cNvSpPr>
+          <p:nvPr>
+            <p:ph type="title"/>
+          </p:nvPr>
+        </p:nvSpPr>
+        <p:spPr/>
+        <p:txBody>
+          <a:bodyPr/>
+          <a:p>
+            <a:r>
+              <a:rPr lang="en-US" altLang="zh-CN"/>
+              <a:t>Prometheus Monitor</a:t>
+            </a:r>
+            <a:endParaRPr lang="en-US" altLang="zh-CN"/>
+          </a:p>
+        </p:txBody>
+      </p:sp>
+      <p:sp>
+        <p:nvSpPr>
+          <p:cNvPr id="3" name="文本占位符 2"/>
+          <p:cNvSpPr>
+            <a:spLocks noGrp="1"/>
+          </p:cNvSpPr>
+          <p:nvPr>
+            <p:ph type="body" idx="1"/>
+          </p:nvPr>
+        </p:nvSpPr>
+        <p:spPr/>
+        <p:txBody>
+          <a:bodyPr/>
+          <a:p>
+            <a:endParaRPr lang="zh-CN" altLang="en-US"/>
+          </a:p>
+        </p:txBody>
+      </p:sp>
+    </p:spTree>
+  </p:cSld>
+  <p:clrMapOvr>
+    <a:masterClrMapping/>
+  </p:clrMapOvr>
+</p:sld>
+</file>
+
 <file path=ppt/slides/slide2.xml><?xml version="1.0" encoding="utf-8"?>
 <p:sld xmlns:a="http://schemas.openxmlformats.org/drawingml/2006/main" xmlns:r="http://schemas.openxmlformats.org/officeDocument/2006/relationships" xmlns:p="http://schemas.openxmlformats.org/presentationml/2006/main">
   <p:cSld>
@@ -5596,30 +5566,34 @@
           <a:p>
             <a:r>
               <a:rPr lang="en-US" altLang="zh-CN"/>
-              <a:t>Prometheus Monitor</a:t>
+              <a:t>Alertmanager for complex alerts handling</a:t>
             </a:r>
             <a:endParaRPr lang="en-US" altLang="zh-CN"/>
           </a:p>
         </p:txBody>
       </p:sp>
-      <p:sp>
-        <p:nvSpPr>
-          <p:cNvPr id="3" name="文本占位符 2"/>
-          <p:cNvSpPr>
-            <a:spLocks noGrp="1"/>
-          </p:cNvSpPr>
-          <p:nvPr>
-            <p:ph type="body" idx="1"/>
-          </p:nvPr>
-        </p:nvSpPr>
-        <p:spPr/>
-        <p:txBody>
-          <a:bodyPr/>
-          <a:p>
-            <a:endParaRPr lang="zh-CN" altLang="en-US"/>
-          </a:p>
-        </p:txBody>
-      </p:sp>
+      <p:pic>
+        <p:nvPicPr>
+          <p:cNvPr id="5" name="图片 4"/>
+          <p:cNvPicPr/>
+          <p:nvPr/>
+        </p:nvPicPr>
+        <p:blipFill>
+          <a:blip r:embed="rId1"/>
+          <a:stretch>
+            <a:fillRect/>
+          </a:stretch>
+        </p:blipFill>
+        <p:spPr>
+          <a:xfrm>
+            <a:off x="1871980" y="1516380"/>
+            <a:ext cx="8907780" cy="4922520"/>
+          </a:xfrm>
+          <a:prstGeom prst="rect">
+            <a:avLst/>
+          </a:prstGeom>
+        </p:spPr>
+      </p:pic>
     </p:spTree>
   </p:cSld>
   <p:clrMapOvr>
@@ -5648,40 +5622,109 @@
             <p:ph type="title"/>
           </p:nvPr>
         </p:nvSpPr>
+        <p:spPr>
+          <a:xfrm>
+            <a:off x="164465" y="365125"/>
+            <a:ext cx="12027535" cy="1325880"/>
+          </a:xfrm>
+        </p:spPr>
+        <p:txBody>
+          <a:bodyPr>
+            <a:normAutofit fontScale="90000"/>
+          </a:bodyPr>
+          <a:p>
+            <a:r>
+              <a:rPr lang="en-US" altLang="zh-CN"/>
+              <a:t>Alertmanager - Centralized Alert Handling in Prometheus</a:t>
+            </a:r>
+            <a:endParaRPr lang="en-US" altLang="zh-CN"/>
+          </a:p>
+        </p:txBody>
+      </p:sp>
+      <p:sp>
+        <p:nvSpPr>
+          <p:cNvPr id="3" name="内容占位符 2"/>
+          <p:cNvSpPr>
+            <a:spLocks noGrp="1"/>
+          </p:cNvSpPr>
+          <p:nvPr>
+            <p:ph sz="half" idx="1"/>
+          </p:nvPr>
+        </p:nvSpPr>
         <p:spPr/>
         <p:txBody>
           <a:bodyPr/>
           <a:p>
             <a:r>
               <a:rPr lang="en-US" altLang="zh-CN"/>
-              <a:t>Alertmanager for complex alerts handling</a:t>
+              <a:t>Alertmanager is a component of the Prometheus ecosystem that handles alerts generated by Prometheus based on user-defined PromQL queries.</a:t>
             </a:r>
             <a:endParaRPr lang="en-US" altLang="zh-CN"/>
           </a:p>
-        </p:txBody>
-      </p:sp>
-      <p:pic>
-        <p:nvPicPr>
-          <p:cNvPr id="5" name="图片 4"/>
-          <p:cNvPicPr/>
-          <p:nvPr/>
-        </p:nvPicPr>
-        <p:blipFill>
-          <a:blip r:embed="rId1"/>
-          <a:stretch>
-            <a:fillRect/>
-          </a:stretch>
-        </p:blipFill>
-        <p:spPr>
-          <a:xfrm>
-            <a:off x="1871980" y="1516380"/>
-            <a:ext cx="8907780" cy="4922520"/>
-          </a:xfrm>
-          <a:prstGeom prst="rect">
-            <a:avLst/>
-          </a:prstGeom>
-        </p:spPr>
-      </p:pic>
+          <a:p>
+            <a:r>
+              <a:rPr lang="en-US" altLang="zh-CN"/>
+              <a:t>It acts as the centralized alert handling system, processing and managing the alerts sent from Prometheus.</a:t>
+            </a:r>
+            <a:endParaRPr lang="en-US" altLang="zh-CN"/>
+          </a:p>
+        </p:txBody>
+      </p:sp>
+      <p:sp>
+        <p:nvSpPr>
+          <p:cNvPr id="4" name="内容占位符 3"/>
+          <p:cNvSpPr>
+            <a:spLocks noGrp="1"/>
+          </p:cNvSpPr>
+          <p:nvPr>
+            <p:ph sz="half" idx="2"/>
+          </p:nvPr>
+        </p:nvSpPr>
+        <p:spPr>
+          <a:xfrm>
+            <a:off x="6172200" y="1825625"/>
+            <a:ext cx="5914390" cy="4351655"/>
+          </a:xfrm>
+        </p:spPr>
+        <p:txBody>
+          <a:bodyPr/>
+          <a:p>
+            <a:r>
+              <a:rPr lang="en-US" altLang="zh-CN"/>
+              <a:t> Alerting Workflow with Webhooks</a:t>
+            </a:r>
+            <a:endParaRPr lang="en-US" altLang="zh-CN"/>
+          </a:p>
+          <a:p>
+            <a:pPr lvl="1"/>
+            <a:r>
+              <a:rPr lang="en-US" altLang="zh-CN"/>
+              <a:t>Prometheus queries metrics with PromQL and detects when thresholds are exceeded, triggering alerts.</a:t>
+            </a:r>
+            <a:endParaRPr lang="en-US" altLang="zh-CN" sz="2400"/>
+          </a:p>
+          <a:p>
+            <a:pPr lvl="1"/>
+            <a:r>
+              <a:rPr lang="en-US" altLang="zh-CN"/>
+              <a:t>Alerts are sent to Alertmanager, which processes and categorizes them based on predefined rules.</a:t>
+            </a:r>
+            <a:endParaRPr lang="en-US" altLang="zh-CN" sz="2400"/>
+          </a:p>
+          <a:p>
+            <a:pPr lvl="1"/>
+            <a:r>
+              <a:rPr lang="en-US" altLang="zh-CN"/>
+              <a:t>Alertmanager sends the processed alerts to external systems via Webhooks.</a:t>
+            </a:r>
+            <a:endParaRPr lang="en-US" altLang="zh-CN"/>
+          </a:p>
+          <a:p>
+            <a:pPr lvl="1"/>
+            <a:endParaRPr lang="en-US" altLang="zh-CN"/>
+          </a:p>
+        </p:txBody>
+      </p:sp>
     </p:spTree>
   </p:cSld>
   <p:clrMapOvr>
@@ -5745,14 +5788,7 @@
           <a:p>
             <a:r>
               <a:rPr lang="en-US" altLang="zh-CN"/>
-              <a:t>Alertmanager is a component of the Prometheus ecosystem that handles alerts generated by Prometheus based on user-defined PromQL queries.</a:t>
-            </a:r>
-            <a:endParaRPr lang="en-US" altLang="zh-CN"/>
-          </a:p>
-          <a:p>
-            <a:r>
-              <a:rPr lang="en-US" altLang="zh-CN"/>
-              <a:t>It acts as the centralized alert handling system, processing and managing the alerts sent from Prometheus.</a:t>
+              <a:t>Configuration</a:t>
             </a:r>
             <a:endParaRPr lang="en-US" altLang="zh-CN"/>
           </a:p>
@@ -5779,40 +5815,66 @@
           <a:p>
             <a:r>
               <a:rPr lang="en-US" altLang="zh-CN"/>
-              <a:t> Alerting Workflow with Webhooks</a:t>
+              <a:t> Prometheus Configuration</a:t>
             </a:r>
             <a:endParaRPr lang="en-US" altLang="zh-CN"/>
           </a:p>
           <a:p>
-            <a:pPr lvl="1"/>
-            <a:r>
-              <a:rPr lang="en-US" altLang="zh-CN"/>
-              <a:t>Prometheus queries metrics with PromQL and detects when thresholds are exceeded, triggering alerts.</a:t>
-            </a:r>
-            <a:endParaRPr lang="en-US" altLang="zh-CN" sz="2400"/>
-          </a:p>
-          <a:p>
-            <a:pPr lvl="1"/>
-            <a:r>
-              <a:rPr lang="en-US" altLang="zh-CN"/>
-              <a:t>Alerts are sent to Alertmanager, which processes and categorizes them based on predefined rules.</a:t>
-            </a:r>
-            <a:endParaRPr lang="en-US" altLang="zh-CN" sz="2400"/>
-          </a:p>
-          <a:p>
-            <a:pPr lvl="1"/>
-            <a:r>
-              <a:rPr lang="en-US" altLang="zh-CN"/>
-              <a:t>Alertmanager sends the processed alerts to external systems via Webhooks.</a:t>
-            </a:r>
+            <a:pPr marL="457200" lvl="1" indent="0">
+              <a:buNone/>
+            </a:pPr>
             <a:endParaRPr lang="en-US" altLang="zh-CN"/>
           </a:p>
-          <a:p>
-            <a:pPr lvl="1"/>
-            <a:endParaRPr lang="en-US" altLang="zh-CN"/>
-          </a:p>
-        </p:txBody>
-      </p:sp>
+        </p:txBody>
+      </p:sp>
+      <p:pic>
+        <p:nvPicPr>
+          <p:cNvPr id="5" name="图片 4"/>
+          <p:cNvPicPr>
+            <a:picLocks noChangeAspect="1"/>
+          </p:cNvPicPr>
+          <p:nvPr/>
+        </p:nvPicPr>
+        <p:blipFill>
+          <a:blip r:embed="rId1"/>
+          <a:stretch>
+            <a:fillRect/>
+          </a:stretch>
+        </p:blipFill>
+        <p:spPr>
+          <a:xfrm>
+            <a:off x="321945" y="2694940"/>
+            <a:ext cx="5601335" cy="2503805"/>
+          </a:xfrm>
+          <a:prstGeom prst="rect">
+            <a:avLst/>
+          </a:prstGeom>
+        </p:spPr>
+      </p:pic>
+      <p:pic>
+        <p:nvPicPr>
+          <p:cNvPr id="6" name="图片 5"/>
+          <p:cNvPicPr>
+            <a:picLocks noChangeAspect="1"/>
+          </p:cNvPicPr>
+          <p:nvPr/>
+        </p:nvPicPr>
+        <p:blipFill>
+          <a:blip r:embed="rId2"/>
+          <a:stretch>
+            <a:fillRect/>
+          </a:stretch>
+        </p:blipFill>
+        <p:spPr>
+          <a:xfrm>
+            <a:off x="6222365" y="3192145"/>
+            <a:ext cx="5280660" cy="1755140"/>
+          </a:xfrm>
+          <a:prstGeom prst="rect">
+            <a:avLst/>
+          </a:prstGeom>
+        </p:spPr>
+      </p:pic>
     </p:spTree>
   </p:cSld>
   <p:clrMapOvr>
@@ -5841,20 +5903,13 @@
             <p:ph type="title"/>
           </p:nvPr>
         </p:nvSpPr>
-        <p:spPr>
-          <a:xfrm>
-            <a:off x="164465" y="365125"/>
-            <a:ext cx="12027535" cy="1325880"/>
-          </a:xfrm>
-        </p:spPr>
-        <p:txBody>
-          <a:bodyPr>
-            <a:normAutofit fontScale="90000"/>
-          </a:bodyPr>
+        <p:spPr/>
+        <p:txBody>
+          <a:bodyPr/>
           <a:p>
             <a:r>
               <a:rPr lang="en-US" altLang="zh-CN"/>
-              <a:t>Alertmanager - Centralized Alert Handling in Prometheus</a:t>
+              <a:t>Node Exporter </a:t>
             </a:r>
             <a:endParaRPr lang="en-US" altLang="zh-CN"/>
           </a:p>
@@ -5862,65 +5917,76 @@
       </p:sp>
       <p:sp>
         <p:nvSpPr>
-          <p:cNvPr id="3" name="内容占位符 2"/>
-          <p:cNvSpPr>
-            <a:spLocks noGrp="1"/>
-          </p:cNvSpPr>
-          <p:nvPr>
-            <p:ph sz="half" idx="1"/>
-          </p:nvPr>
-        </p:nvSpPr>
-        <p:spPr/>
+          <p:cNvPr id="4" name="内容占位符 3"/>
+          <p:cNvSpPr>
+            <a:spLocks noGrp="1"/>
+          </p:cNvSpPr>
+          <p:nvPr>
+            <p:ph sz="half" idx="2"/>
+          </p:nvPr>
+        </p:nvSpPr>
+        <p:spPr>
+          <a:xfrm>
+            <a:off x="6172200" y="1513840"/>
+            <a:ext cx="5181600" cy="4351338"/>
+          </a:xfrm>
+        </p:spPr>
         <p:txBody>
           <a:bodyPr/>
           <a:p>
             <a:r>
               <a:rPr lang="en-US" altLang="zh-CN"/>
-              <a:t>Configuration</a:t>
+              <a:t>An open-source component of Prometheus by community</a:t>
             </a:r>
             <a:endParaRPr lang="en-US" altLang="zh-CN"/>
           </a:p>
-        </p:txBody>
-      </p:sp>
-      <p:sp>
-        <p:nvSpPr>
-          <p:cNvPr id="4" name="内容占位符 3"/>
-          <p:cNvSpPr>
-            <a:spLocks noGrp="1"/>
-          </p:cNvSpPr>
-          <p:nvPr>
-            <p:ph sz="half" idx="2"/>
-          </p:nvPr>
-        </p:nvSpPr>
-        <p:spPr>
-          <a:xfrm>
-            <a:off x="6172200" y="1825625"/>
-            <a:ext cx="5914390" cy="4351655"/>
-          </a:xfrm>
-        </p:spPr>
-        <p:txBody>
-          <a:bodyPr/>
           <a:p>
             <a:r>
               <a:rPr lang="en-US" altLang="zh-CN"/>
-              <a:t> Prometheus Configuration</a:t>
+              <a:t>use Node E</a:t>
+            </a:r>
+            <a:r>
+              <a:rPr lang="en-US" altLang="zh-CN"/>
+              <a:t>xporter to scrape software-level metrics</a:t>
             </a:r>
             <a:endParaRPr lang="en-US" altLang="zh-CN"/>
           </a:p>
           <a:p>
-            <a:pPr marL="457200" lvl="1" indent="0">
-              <a:buNone/>
-            </a:pPr>
+            <a:r>
+              <a:rPr lang="en-US" altLang="zh-CN"/>
+              <a:t>deployed on every compute node and aggregate in Prometheus</a:t>
+            </a:r>
+            <a:endParaRPr lang="en-US" altLang="zh-CN"/>
+          </a:p>
+          <a:p>
+            <a:r>
+              <a:rPr lang="en-US" altLang="zh-CN"/>
+              <a:t>utilize </a:t>
+            </a:r>
+            <a:r>
+              <a:rPr lang="en-US" altLang="zh-CN" u="sng"/>
+              <a:t>TextCollector</a:t>
+            </a:r>
+            <a:r>
+              <a:rPr lang="en-US" altLang="zh-CN"/>
+              <a:t> to  scrape</a:t>
+            </a:r>
+            <a:r>
+              <a:rPr lang="en-US" altLang="zh-CN" u="sng"/>
+              <a:t> </a:t>
+            </a:r>
+            <a:r>
+              <a:rPr lang="en-US" altLang="zh-CN"/>
+              <a:t>custom metrics, including GPU and User details.</a:t>
+            </a:r>
             <a:endParaRPr lang="en-US" altLang="zh-CN"/>
           </a:p>
         </p:txBody>
       </p:sp>
       <p:pic>
         <p:nvPicPr>
-          <p:cNvPr id="5" name="图片 4"/>
-          <p:cNvPicPr>
-            <a:picLocks noChangeAspect="1"/>
-          </p:cNvPicPr>
+          <p:cNvPr id="3" name="图片 2"/>
+          <p:cNvPicPr/>
           <p:nvPr/>
         </p:nvPicPr>
         <p:blipFill>
@@ -5931,32 +5997,8 @@
         </p:blipFill>
         <p:spPr>
           <a:xfrm>
-            <a:off x="321945" y="2694940"/>
-            <a:ext cx="5601335" cy="2503805"/>
-          </a:xfrm>
-          <a:prstGeom prst="rect">
-            <a:avLst/>
-          </a:prstGeom>
-        </p:spPr>
-      </p:pic>
-      <p:pic>
-        <p:nvPicPr>
-          <p:cNvPr id="6" name="图片 5"/>
-          <p:cNvPicPr>
-            <a:picLocks noChangeAspect="1"/>
-          </p:cNvPicPr>
-          <p:nvPr/>
-        </p:nvPicPr>
-        <p:blipFill>
-          <a:blip r:embed="rId2"/>
-          <a:stretch>
-            <a:fillRect/>
-          </a:stretch>
-        </p:blipFill>
-        <p:spPr>
-          <a:xfrm>
-            <a:off x="6222365" y="3192145"/>
-            <a:ext cx="5280660" cy="1755140"/>
+            <a:off x="351790" y="1691005"/>
+            <a:ext cx="5560695" cy="4394200"/>
           </a:xfrm>
           <a:prstGeom prst="rect">
             <a:avLst/>
@@ -5991,90 +6033,31 @@
             <p:ph type="title"/>
           </p:nvPr>
         </p:nvSpPr>
-        <p:spPr/>
-        <p:txBody>
-          <a:bodyPr/>
-          <a:p>
-            <a:r>
-              <a:rPr lang="en-US" altLang="zh-CN"/>
-              <a:t>Node Exporter </a:t>
-            </a:r>
-            <a:endParaRPr lang="en-US" altLang="zh-CN"/>
-          </a:p>
-        </p:txBody>
-      </p:sp>
-      <p:sp>
-        <p:nvSpPr>
-          <p:cNvPr id="4" name="内容占位符 3"/>
-          <p:cNvSpPr>
-            <a:spLocks noGrp="1"/>
-          </p:cNvSpPr>
-          <p:nvPr>
-            <p:ph sz="half" idx="2"/>
-          </p:nvPr>
-        </p:nvSpPr>
-        <p:spPr>
-          <a:xfrm>
-            <a:off x="6172200" y="1513840"/>
-            <a:ext cx="5181600" cy="4351338"/>
-          </a:xfrm>
-        </p:spPr>
-        <p:txBody>
-          <a:bodyPr/>
-          <a:p>
-            <a:r>
-              <a:rPr lang="en-US" altLang="zh-CN"/>
-              <a:t>An open-source component of Prometheus by community</a:t>
-            </a:r>
-            <a:endParaRPr lang="en-US" altLang="zh-CN"/>
-          </a:p>
-          <a:p>
-            <a:r>
-              <a:rPr lang="en-US" altLang="zh-CN"/>
-              <a:t>use Node E</a:t>
-            </a:r>
-            <a:r>
-              <a:rPr lang="en-US" altLang="zh-CN"/>
-              <a:t>xporter to scrape software-level metrics</a:t>
-            </a:r>
-            <a:endParaRPr lang="en-US" altLang="zh-CN"/>
-          </a:p>
-          <a:p>
-            <a:r>
-              <a:rPr lang="en-US" altLang="zh-CN"/>
-              <a:t>deployed on every compute node and aggregate in Prometheus</a:t>
-            </a:r>
-            <a:endParaRPr lang="en-US" altLang="zh-CN"/>
-          </a:p>
-          <a:p>
-            <a:r>
-              <a:rPr lang="en-US" altLang="zh-CN"/>
-              <a:t>utilize </a:t>
-            </a:r>
-            <a:r>
-              <a:rPr lang="en-US" altLang="zh-CN" u="sng"/>
-              <a:t>TextCollector</a:t>
-            </a:r>
-            <a:r>
-              <a:rPr lang="en-US" altLang="zh-CN"/>
-              <a:t> to  scrape</a:t>
-            </a:r>
-            <a:r>
-              <a:rPr lang="en-US" altLang="zh-CN" u="sng"/>
-              <a:t> </a:t>
-            </a:r>
-            <a:r>
-              <a:rPr lang="en-US" altLang="zh-CN"/>
-              <a:t>custom metrics, including GPU and User details.</a:t>
-            </a:r>
-            <a:endParaRPr lang="en-US" altLang="zh-CN"/>
+        <p:spPr>
+          <a:xfrm>
+            <a:off x="838200" y="365125"/>
+            <a:ext cx="5622925" cy="1325880"/>
+          </a:xfrm>
+        </p:spPr>
+        <p:txBody>
+          <a:bodyPr/>
+          <a:p>
+            <a:r>
+              <a:rPr lang="en-US" altLang="zh-CN">
+                <a:sym typeface="+mn-ea"/>
+              </a:rPr>
+              <a:t>Custom Scripts </a:t>
+            </a:r>
+            <a:endParaRPr lang="zh-CN" altLang="en-US"/>
           </a:p>
         </p:txBody>
       </p:sp>
       <p:pic>
         <p:nvPicPr>
-          <p:cNvPr id="3" name="图片 2"/>
-          <p:cNvPicPr/>
+          <p:cNvPr id="10" name="图片 9" descr="carbon (2)"/>
+          <p:cNvPicPr>
+            <a:picLocks noChangeAspect="1"/>
+          </p:cNvPicPr>
           <p:nvPr/>
         </p:nvPicPr>
         <p:blipFill>
@@ -6085,14 +6068,174 @@
         </p:blipFill>
         <p:spPr>
           <a:xfrm>
-            <a:off x="351790" y="1691005"/>
-            <a:ext cx="5560695" cy="4394200"/>
+            <a:off x="-80645" y="1273810"/>
+            <a:ext cx="6779895" cy="4323715"/>
           </a:xfrm>
           <a:prstGeom prst="rect">
             <a:avLst/>
           </a:prstGeom>
         </p:spPr>
       </p:pic>
+      <p:pic>
+        <p:nvPicPr>
+          <p:cNvPr id="11" name="图片 10" descr="carbon (3)"/>
+          <p:cNvPicPr>
+            <a:picLocks noChangeAspect="1"/>
+          </p:cNvPicPr>
+          <p:nvPr/>
+        </p:nvPicPr>
+        <p:blipFill>
+          <a:blip r:embed="rId2"/>
+          <a:stretch>
+            <a:fillRect/>
+          </a:stretch>
+        </p:blipFill>
+        <p:spPr>
+          <a:xfrm>
+            <a:off x="6461760" y="-168910"/>
+            <a:ext cx="5995670" cy="6769735"/>
+          </a:xfrm>
+          <a:prstGeom prst="rect">
+            <a:avLst/>
+          </a:prstGeom>
+        </p:spPr>
+      </p:pic>
+      <p:sp>
+        <p:nvSpPr>
+          <p:cNvPr id="12" name="文本框 11"/>
+          <p:cNvSpPr txBox="1"/>
+          <p:nvPr/>
+        </p:nvSpPr>
+        <p:spPr>
+          <a:xfrm>
+            <a:off x="424180" y="5843905"/>
+            <a:ext cx="1902460" cy="368300"/>
+          </a:xfrm>
+          <a:prstGeom prst="rect">
+            <a:avLst/>
+          </a:prstGeom>
+          <a:noFill/>
+        </p:spPr>
+        <p:txBody>
+          <a:bodyPr wrap="square" rtlCol="0">
+            <a:spAutoFit/>
+          </a:bodyPr>
+          <a:p>
+            <a:r>
+              <a:rPr lang="en-US" altLang="zh-CN"/>
+              <a:t>script for user info</a:t>
+            </a:r>
+            <a:endParaRPr lang="en-US" altLang="zh-CN"/>
+          </a:p>
+        </p:txBody>
+      </p:sp>
+      <p:sp>
+        <p:nvSpPr>
+          <p:cNvPr id="13" name="文本框 12"/>
+          <p:cNvSpPr txBox="1"/>
+          <p:nvPr/>
+        </p:nvSpPr>
+        <p:spPr>
+          <a:xfrm>
+            <a:off x="3484880" y="5843905"/>
+            <a:ext cx="2526665" cy="368300"/>
+          </a:xfrm>
+          <a:prstGeom prst="rect">
+            <a:avLst/>
+          </a:prstGeom>
+          <a:noFill/>
+        </p:spPr>
+        <p:txBody>
+          <a:bodyPr wrap="square" rtlCol="0">
+            <a:spAutoFit/>
+          </a:bodyPr>
+          <a:p>
+            <a:r>
+              <a:rPr lang="en-US" altLang="zh-CN"/>
+              <a:t>script for Nvidia GPU info</a:t>
+            </a:r>
+            <a:endParaRPr lang="en-US" altLang="zh-CN"/>
+          </a:p>
+        </p:txBody>
+      </p:sp>
+      <p:sp>
+        <p:nvSpPr>
+          <p:cNvPr id="14" name="上箭头 13"/>
+          <p:cNvSpPr/>
+          <p:nvPr/>
+        </p:nvSpPr>
+        <p:spPr>
+          <a:xfrm>
+            <a:off x="1210310" y="5271135"/>
+            <a:ext cx="485775" cy="499110"/>
+          </a:xfrm>
+          <a:prstGeom prst="upArrow">
+            <a:avLst/>
+          </a:prstGeom>
+        </p:spPr>
+        <p:style>
+          <a:lnRef idx="2">
+            <a:schemeClr val="accent1">
+              <a:lumMod val="75000"/>
+            </a:schemeClr>
+          </a:lnRef>
+          <a:fillRef idx="1">
+            <a:schemeClr val="accent1"/>
+          </a:fillRef>
+          <a:effectRef idx="0">
+            <a:srgbClr val="FFFFFF"/>
+          </a:effectRef>
+          <a:fontRef idx="minor">
+            <a:schemeClr val="lt1"/>
+          </a:fontRef>
+        </p:style>
+        <p:txBody>
+          <a:bodyPr rtlCol="0" anchor="ctr"/>
+          <a:p>
+            <a:pPr algn="ctr"/>
+            <a:endParaRPr lang="zh-CN" altLang="en-US"/>
+          </a:p>
+        </p:txBody>
+      </p:sp>
+      <p:sp>
+        <p:nvSpPr>
+          <p:cNvPr id="15" name="右箭头 14"/>
+          <p:cNvSpPr/>
+          <p:nvPr/>
+        </p:nvSpPr>
+        <p:spPr>
+          <a:xfrm>
+            <a:off x="6177280" y="5770245"/>
+            <a:ext cx="451485" cy="485775"/>
+          </a:xfrm>
+          <a:prstGeom prst="rightArrow">
+            <a:avLst/>
+          </a:prstGeom>
+        </p:spPr>
+        <p:style>
+          <a:lnRef idx="2">
+            <a:schemeClr val="accent1">
+              <a:lumMod val="75000"/>
+            </a:schemeClr>
+          </a:lnRef>
+          <a:fillRef idx="1">
+            <a:schemeClr val="accent1"/>
+          </a:fillRef>
+          <a:effectRef idx="0">
+            <a:srgbClr val="FFFFFF"/>
+          </a:effectRef>
+          <a:fontRef idx="minor">
+            <a:schemeClr val="lt1"/>
+          </a:fontRef>
+        </p:style>
+        <p:txBody>
+          <a:bodyPr rtlCol="0" anchor="ctr"/>
+          <a:p>
+            <a:pPr algn="ctr"/>
+            <a:endParaRPr lang="zh-CN" altLang="en-US"/>
+          </a:p>
+        </p:txBody>
+      </p:sp>
     </p:spTree>
   </p:cSld>
   <p:clrMapOvr>
@@ -6121,12 +6264,7 @@
             <p:ph type="title"/>
           </p:nvPr>
         </p:nvSpPr>
-        <p:spPr>
-          <a:xfrm>
-            <a:off x="838200" y="365125"/>
-            <a:ext cx="5622925" cy="1325880"/>
-          </a:xfrm>
-        </p:spPr>
+        <p:spPr/>
         <p:txBody>
           <a:bodyPr/>
           <a:p>
@@ -6134,7 +6272,7 @@
               <a:rPr lang="en-US" altLang="zh-CN">
                 <a:sym typeface="+mn-ea"/>
               </a:rPr>
-              <a:t>Custom Scripts </a:t>
+              <a:t>Visualization</a:t>
             </a:r>
             <a:endParaRPr lang="zh-CN" altLang="en-US"/>
           </a:p>
@@ -6142,11 +6280,13 @@
       </p:sp>
       <p:pic>
         <p:nvPicPr>
-          <p:cNvPr id="10" name="图片 9" descr="carbon (2)"/>
+          <p:cNvPr id="6" name="内容占位符 5"/>
           <p:cNvPicPr>
             <a:picLocks noChangeAspect="1"/>
           </p:cNvPicPr>
-          <p:nvPr/>
+          <p:nvPr>
+            <p:ph sz="half" idx="1"/>
+          </p:nvPr>
         </p:nvPicPr>
         <p:blipFill>
           <a:blip r:embed="rId1"/>
@@ -6156,8 +6296,8 @@
         </p:blipFill>
         <p:spPr>
           <a:xfrm>
-            <a:off x="-80645" y="1273810"/>
-            <a:ext cx="6779895" cy="4323715"/>
+            <a:off x="506095" y="1744345"/>
+            <a:ext cx="5181600" cy="2331085"/>
           </a:xfrm>
           <a:prstGeom prst="rect">
             <a:avLst/>
@@ -6166,11 +6306,13 @@
       </p:pic>
       <p:pic>
         <p:nvPicPr>
-          <p:cNvPr id="11" name="图片 10" descr="carbon (3)"/>
+          <p:cNvPr id="7" name="内容占位符 6"/>
           <p:cNvPicPr>
             <a:picLocks noChangeAspect="1"/>
           </p:cNvPicPr>
-          <p:nvPr/>
+          <p:nvPr>
+            <p:ph sz="half" idx="2"/>
+          </p:nvPr>
         </p:nvPicPr>
         <p:blipFill>
           <a:blip r:embed="rId2"/>
@@ -6180,8 +6322,8 @@
         </p:blipFill>
         <p:spPr>
           <a:xfrm>
-            <a:off x="6461760" y="-168910"/>
-            <a:ext cx="5995670" cy="6769735"/>
+            <a:off x="6096000" y="4166235"/>
+            <a:ext cx="5181600" cy="2393950"/>
           </a:xfrm>
           <a:prstGeom prst="rect">
             <a:avLst/>
@@ -6190,14 +6332,14 @@
       </p:pic>
       <p:sp>
         <p:nvSpPr>
-          <p:cNvPr id="12" name="文本框 11"/>
+          <p:cNvPr id="3" name="文本框 2"/>
           <p:cNvSpPr txBox="1"/>
           <p:nvPr/>
         </p:nvSpPr>
         <p:spPr>
           <a:xfrm>
-            <a:off x="424180" y="5843905"/>
-            <a:ext cx="1902460" cy="368300"/>
+            <a:off x="6096000" y="2357120"/>
+            <a:ext cx="5966460" cy="1198880"/>
           </a:xfrm>
           <a:prstGeom prst="rect">
             <a:avLst/>
@@ -6209,118 +6351,37 @@
             <a:spAutoFit/>
           </a:bodyPr>
           <a:p>
-            <a:r>
-              <a:rPr lang="en-US" altLang="zh-CN"/>
-              <a:t>script for user info</a:t>
-            </a:r>
-            <a:endParaRPr lang="en-US" altLang="zh-CN"/>
-          </a:p>
-        </p:txBody>
-      </p:sp>
-      <p:sp>
-        <p:nvSpPr>
-          <p:cNvPr id="13" name="文本框 12"/>
-          <p:cNvSpPr txBox="1"/>
-          <p:nvPr/>
-        </p:nvSpPr>
-        <p:spPr>
-          <a:xfrm>
-            <a:off x="3484880" y="5843905"/>
-            <a:ext cx="2526665" cy="368300"/>
-          </a:xfrm>
-          <a:prstGeom prst="rect">
-            <a:avLst/>
-          </a:prstGeom>
-          <a:noFill/>
-        </p:spPr>
-        <p:txBody>
-          <a:bodyPr wrap="square" rtlCol="0">
-            <a:spAutoFit/>
-          </a:bodyPr>
-          <a:p>
-            <a:r>
-              <a:rPr lang="en-US" altLang="zh-CN"/>
-              <a:t>script for Nvidia GPU info</a:t>
-            </a:r>
-            <a:endParaRPr lang="en-US" altLang="zh-CN"/>
-          </a:p>
-        </p:txBody>
-      </p:sp>
-      <p:sp>
-        <p:nvSpPr>
-          <p:cNvPr id="14" name="上箭头 13"/>
-          <p:cNvSpPr/>
-          <p:nvPr/>
-        </p:nvSpPr>
-        <p:spPr>
-          <a:xfrm>
-            <a:off x="1210310" y="5271135"/>
-            <a:ext cx="485775" cy="499110"/>
-          </a:xfrm>
-          <a:prstGeom prst="upArrow">
-            <a:avLst/>
-          </a:prstGeom>
-        </p:spPr>
-        <p:style>
-          <a:lnRef idx="2">
-            <a:schemeClr val="accent1">
-              <a:lumMod val="75000"/>
-            </a:schemeClr>
-          </a:lnRef>
-          <a:fillRef idx="1">
-            <a:schemeClr val="accent1"/>
-          </a:fillRef>
-          <a:effectRef idx="0">
-            <a:srgbClr val="FFFFFF"/>
-          </a:effectRef>
-          <a:fontRef idx="minor">
-            <a:schemeClr val="lt1"/>
-          </a:fontRef>
-        </p:style>
-        <p:txBody>
-          <a:bodyPr rtlCol="0" anchor="ctr"/>
-          <a:p>
-            <a:pPr algn="ctr"/>
-            <a:endParaRPr lang="zh-CN" altLang="en-US"/>
-          </a:p>
-        </p:txBody>
-      </p:sp>
-      <p:sp>
-        <p:nvSpPr>
-          <p:cNvPr id="15" name="右箭头 14"/>
-          <p:cNvSpPr/>
-          <p:nvPr/>
-        </p:nvSpPr>
-        <p:spPr>
-          <a:xfrm>
-            <a:off x="6177280" y="5770245"/>
-            <a:ext cx="451485" cy="485775"/>
-          </a:xfrm>
-          <a:prstGeom prst="rightArrow">
-            <a:avLst/>
-          </a:prstGeom>
-        </p:spPr>
-        <p:style>
-          <a:lnRef idx="2">
-            <a:schemeClr val="accent1">
-              <a:lumMod val="75000"/>
-            </a:schemeClr>
-          </a:lnRef>
-          <a:fillRef idx="1">
-            <a:schemeClr val="accent1"/>
-          </a:fillRef>
-          <a:effectRef idx="0">
-            <a:srgbClr val="FFFFFF"/>
-          </a:effectRef>
-          <a:fontRef idx="minor">
-            <a:schemeClr val="lt1"/>
-          </a:fontRef>
-        </p:style>
-        <p:txBody>
-          <a:bodyPr rtlCol="0" anchor="ctr"/>
-          <a:p>
-            <a:pPr algn="ctr"/>
-            <a:endParaRPr lang="zh-CN" altLang="en-US"/>
+            <a:pPr marL="285750" indent="-285750">
+              <a:buFont typeface="Arial" panose="020B0604020202020204" pitchFamily="34" charset="0"/>
+              <a:buChar char="•"/>
+            </a:pPr>
+            <a:r>
+              <a:rPr lang="en-US" altLang="zh-CN" sz="2400"/>
+              <a:t>use echart.js to display metrics more clearly</a:t>
+            </a:r>
+            <a:endParaRPr lang="en-US" altLang="zh-CN" sz="2400"/>
+          </a:p>
+          <a:p>
+            <a:pPr marL="285750" indent="-285750">
+              <a:buFont typeface="Arial" panose="020B0604020202020204" pitchFamily="34" charset="0"/>
+              <a:buChar char="•"/>
+            </a:pPr>
+            <a:r>
+              <a:rPr lang="en-US" altLang="zh-CN" sz="2400"/>
+              <a:t>allow zooming function</a:t>
+            </a:r>
+            <a:endParaRPr lang="en-US" altLang="zh-CN" sz="2400"/>
+          </a:p>
+          <a:p>
+            <a:pPr marL="285750" indent="-285750">
+              <a:buFont typeface="Arial" panose="020B0604020202020204" pitchFamily="34" charset="0"/>
+              <a:buChar char="•"/>
+            </a:pPr>
+            <a:r>
+              <a:rPr lang="en-US" altLang="zh-CN" sz="2400"/>
+              <a:t>monitor clusters seperately</a:t>
+            </a:r>
+            <a:endParaRPr lang="en-US" altLang="zh-CN" sz="2400"/>
           </a:p>
         </p:txBody>
       </p:sp>
@@ -6333,155 +6394,6 @@
 </file>
 
 <file path=ppt/slides/slide26.xml><?xml version="1.0" encoding="utf-8"?>
-<p:sld xmlns:a="http://schemas.openxmlformats.org/drawingml/2006/main" xmlns:r="http://schemas.openxmlformats.org/officeDocument/2006/relationships" xmlns:p="http://schemas.openxmlformats.org/presentationml/2006/main">
-  <p:cSld>
-    <p:spTree>
-      <p:nvGrpSpPr>
-        <p:cNvPr id="1" name=""/>
-        <p:cNvGrpSpPr/>
-        <p:nvPr/>
-      </p:nvGrpSpPr>
-      <p:grpSpPr/>
-      <p:sp>
-        <p:nvSpPr>
-          <p:cNvPr id="2" name="标题 1"/>
-          <p:cNvSpPr>
-            <a:spLocks noGrp="1"/>
-          </p:cNvSpPr>
-          <p:nvPr>
-            <p:ph type="title"/>
-          </p:nvPr>
-        </p:nvSpPr>
-        <p:spPr/>
-        <p:txBody>
-          <a:bodyPr/>
-          <a:p>
-            <a:r>
-              <a:rPr lang="en-US" altLang="zh-CN">
-                <a:sym typeface="+mn-ea"/>
-              </a:rPr>
-              <a:t>Visualization</a:t>
-            </a:r>
-            <a:endParaRPr lang="zh-CN" altLang="en-US"/>
-          </a:p>
-        </p:txBody>
-      </p:sp>
-      <p:pic>
-        <p:nvPicPr>
-          <p:cNvPr id="6" name="内容占位符 5"/>
-          <p:cNvPicPr>
-            <a:picLocks noChangeAspect="1"/>
-          </p:cNvPicPr>
-          <p:nvPr>
-            <p:ph sz="half" idx="1"/>
-          </p:nvPr>
-        </p:nvPicPr>
-        <p:blipFill>
-          <a:blip r:embed="rId1"/>
-          <a:stretch>
-            <a:fillRect/>
-          </a:stretch>
-        </p:blipFill>
-        <p:spPr>
-          <a:xfrm>
-            <a:off x="506095" y="1744345"/>
-            <a:ext cx="5181600" cy="2331085"/>
-          </a:xfrm>
-          <a:prstGeom prst="rect">
-            <a:avLst/>
-          </a:prstGeom>
-        </p:spPr>
-      </p:pic>
-      <p:pic>
-        <p:nvPicPr>
-          <p:cNvPr id="7" name="内容占位符 6"/>
-          <p:cNvPicPr>
-            <a:picLocks noChangeAspect="1"/>
-          </p:cNvPicPr>
-          <p:nvPr>
-            <p:ph sz="half" idx="2"/>
-          </p:nvPr>
-        </p:nvPicPr>
-        <p:blipFill>
-          <a:blip r:embed="rId2"/>
-          <a:stretch>
-            <a:fillRect/>
-          </a:stretch>
-        </p:blipFill>
-        <p:spPr>
-          <a:xfrm>
-            <a:off x="6096000" y="4166235"/>
-            <a:ext cx="5181600" cy="2393950"/>
-          </a:xfrm>
-          <a:prstGeom prst="rect">
-            <a:avLst/>
-          </a:prstGeom>
-        </p:spPr>
-      </p:pic>
-      <p:sp>
-        <p:nvSpPr>
-          <p:cNvPr id="3" name="文本框 2"/>
-          <p:cNvSpPr txBox="1"/>
-          <p:nvPr/>
-        </p:nvSpPr>
-        <p:spPr>
-          <a:xfrm>
-            <a:off x="6096000" y="2357120"/>
-            <a:ext cx="5966460" cy="1198880"/>
-          </a:xfrm>
-          <a:prstGeom prst="rect">
-            <a:avLst/>
-          </a:prstGeom>
-          <a:noFill/>
-        </p:spPr>
-        <p:txBody>
-          <a:bodyPr wrap="square" rtlCol="0">
-            <a:spAutoFit/>
-          </a:bodyPr>
-          <a:p>
-            <a:pPr marL="285750" indent="-285750">
-              <a:buFont typeface="Arial" panose="020B0604020202020204" pitchFamily="34" charset="0"/>
-              <a:buChar char="•"/>
-            </a:pPr>
-            <a:r>
-              <a:rPr lang="en-US" altLang="zh-CN" sz="2400"/>
-              <a:t>use echart.js to display metrics more clearly</a:t>
-            </a:r>
-            <a:endParaRPr lang="en-US" altLang="zh-CN" sz="2400"/>
-          </a:p>
-          <a:p>
-            <a:pPr marL="285750" indent="-285750">
-              <a:buFont typeface="Arial" panose="020B0604020202020204" pitchFamily="34" charset="0"/>
-              <a:buChar char="•"/>
-            </a:pPr>
-            <a:r>
-              <a:rPr lang="en-US" altLang="zh-CN" sz="2400"/>
-              <a:t>allow zooming function</a:t>
-            </a:r>
-            <a:endParaRPr lang="en-US" altLang="zh-CN" sz="2400"/>
-          </a:p>
-          <a:p>
-            <a:pPr marL="285750" indent="-285750">
-              <a:buFont typeface="Arial" panose="020B0604020202020204" pitchFamily="34" charset="0"/>
-              <a:buChar char="•"/>
-            </a:pPr>
-            <a:r>
-              <a:rPr lang="en-US" altLang="zh-CN" sz="2400"/>
-              <a:t>monitor clusters seperately</a:t>
-            </a:r>
-            <a:endParaRPr lang="en-US" altLang="zh-CN" sz="2400"/>
-          </a:p>
-        </p:txBody>
-      </p:sp>
-    </p:spTree>
-  </p:cSld>
-  <p:clrMapOvr>
-    <a:masterClrMapping/>
-  </p:clrMapOvr>
-</p:sld>
-</file>
-
-<file path=ppt/slides/slide27.xml><?xml version="1.0" encoding="utf-8"?>
 <p:sld xmlns:a="http://schemas.openxmlformats.org/drawingml/2006/main" xmlns:r="http://schemas.openxmlformats.org/officeDocument/2006/relationships" xmlns:p="http://schemas.openxmlformats.org/presentationml/2006/main">
   <p:cSld>
     <p:spTree>
@@ -7721,36 +7633,22 @@
         <p:txBody>
           <a:bodyPr/>
           <a:p>
-            <a:endParaRPr lang="zh-CN" altLang="en-US"/>
-          </a:p>
-        </p:txBody>
-      </p:sp>
-      <p:sp>
-        <p:nvSpPr>
-          <p:cNvPr id="3" name="内容占位符 2"/>
-          <p:cNvSpPr>
-            <a:spLocks noGrp="1"/>
-          </p:cNvSpPr>
-          <p:nvPr>
-            <p:ph sz="half" idx="1"/>
-          </p:nvPr>
-        </p:nvSpPr>
-        <p:spPr/>
-        <p:txBody>
-          <a:bodyPr/>
-          <a:p>
-            <a:endParaRPr lang="zh-CN" altLang="en-US"/>
-          </a:p>
-        </p:txBody>
-      </p:sp>
-      <p:sp>
-        <p:nvSpPr>
-          <p:cNvPr id="4" name="内容占位符 3"/>
-          <p:cNvSpPr>
-            <a:spLocks noGrp="1"/>
-          </p:cNvSpPr>
-          <p:nvPr>
-            <p:ph sz="half" idx="2"/>
+            <a:r>
+              <a:rPr lang="en-US" altLang="zh-CN"/>
+              <a:t>Java Application</a:t>
+            </a:r>
+            <a:endParaRPr lang="en-US" altLang="zh-CN"/>
+          </a:p>
+        </p:txBody>
+      </p:sp>
+      <p:sp>
+        <p:nvSpPr>
+          <p:cNvPr id="3" name="文本占位符 2"/>
+          <p:cNvSpPr>
+            <a:spLocks noGrp="1"/>
+          </p:cNvSpPr>
+          <p:nvPr>
+            <p:ph type="body" idx="1"/>
           </p:nvPr>
         </p:nvSpPr>
         <p:spPr/>
@@ -7795,30 +7693,60 @@
           <a:p>
             <a:r>
               <a:rPr lang="en-US" altLang="zh-CN"/>
-              <a:t>Java Application</a:t>
+              <a:t>Role-based access control(RBAC) </a:t>
             </a:r>
             <a:endParaRPr lang="en-US" altLang="zh-CN"/>
           </a:p>
         </p:txBody>
       </p:sp>
-      <p:sp>
-        <p:nvSpPr>
-          <p:cNvPr id="3" name="文本占位符 2"/>
-          <p:cNvSpPr>
-            <a:spLocks noGrp="1"/>
-          </p:cNvSpPr>
-          <p:nvPr>
-            <p:ph type="body" idx="1"/>
-          </p:nvPr>
-        </p:nvSpPr>
-        <p:spPr/>
-        <p:txBody>
-          <a:bodyPr/>
-          <a:p>
-            <a:endParaRPr lang="zh-CN" altLang="en-US"/>
-          </a:p>
-        </p:txBody>
-      </p:sp>
+      <p:pic>
+        <p:nvPicPr>
+          <p:cNvPr id="5" name="图片 4"/>
+          <p:cNvPicPr>
+            <a:picLocks noChangeAspect="1"/>
+          </p:cNvPicPr>
+          <p:nvPr/>
+        </p:nvPicPr>
+        <p:blipFill>
+          <a:blip r:embed="rId1"/>
+          <a:stretch>
+            <a:fillRect/>
+          </a:stretch>
+        </p:blipFill>
+        <p:spPr>
+          <a:xfrm>
+            <a:off x="772795" y="1772920"/>
+            <a:ext cx="3937000" cy="4343400"/>
+          </a:xfrm>
+          <a:prstGeom prst="rect">
+            <a:avLst/>
+          </a:prstGeom>
+        </p:spPr>
+      </p:pic>
+      <p:pic>
+        <p:nvPicPr>
+          <p:cNvPr id="6" name="图片 5"/>
+          <p:cNvPicPr>
+            <a:picLocks noChangeAspect="1"/>
+          </p:cNvPicPr>
+          <p:nvPr/>
+        </p:nvPicPr>
+        <p:blipFill>
+          <a:blip r:embed="rId2"/>
+          <a:stretch>
+            <a:fillRect/>
+          </a:stretch>
+        </p:blipFill>
+        <p:spPr>
+          <a:xfrm>
+            <a:off x="4963160" y="1259840"/>
+            <a:ext cx="6680200" cy="5048250"/>
+          </a:xfrm>
+          <a:prstGeom prst="rect">
+            <a:avLst/>
+          </a:prstGeom>
+        </p:spPr>
+      </p:pic>
     </p:spTree>
   </p:cSld>
   <p:clrMapOvr>

--- a/docs/高性能集群监控系统.pptx
+++ b/docs/高性能集群监控系统.pptx
@@ -15,25 +15,26 @@
     <p:sldId id="303" r:id="rId8"/>
     <p:sldId id="302" r:id="rId9"/>
     <p:sldId id="305" r:id="rId10"/>
-    <p:sldId id="266" r:id="rId11"/>
-    <p:sldId id="327" r:id="rId12"/>
-    <p:sldId id="353" r:id="rId13"/>
-    <p:sldId id="340" r:id="rId14"/>
-    <p:sldId id="328" r:id="rId15"/>
-    <p:sldId id="341" r:id="rId16"/>
-    <p:sldId id="262" r:id="rId17"/>
-    <p:sldId id="263" r:id="rId18"/>
-    <p:sldId id="273" r:id="rId19"/>
-    <p:sldId id="265" r:id="rId20"/>
-    <p:sldId id="355" r:id="rId21"/>
-    <p:sldId id="267" r:id="rId22"/>
-    <p:sldId id="268" r:id="rId23"/>
-    <p:sldId id="357" r:id="rId24"/>
-    <p:sldId id="369" r:id="rId25"/>
-    <p:sldId id="269" r:id="rId26"/>
-    <p:sldId id="281" r:id="rId27"/>
-    <p:sldId id="282" r:id="rId28"/>
-    <p:sldId id="271" r:id="rId29"/>
+    <p:sldId id="284" r:id="rId11"/>
+    <p:sldId id="266" r:id="rId12"/>
+    <p:sldId id="327" r:id="rId13"/>
+    <p:sldId id="353" r:id="rId14"/>
+    <p:sldId id="340" r:id="rId15"/>
+    <p:sldId id="328" r:id="rId16"/>
+    <p:sldId id="341" r:id="rId17"/>
+    <p:sldId id="262" r:id="rId18"/>
+    <p:sldId id="263" r:id="rId19"/>
+    <p:sldId id="273" r:id="rId20"/>
+    <p:sldId id="265" r:id="rId21"/>
+    <p:sldId id="355" r:id="rId22"/>
+    <p:sldId id="267" r:id="rId23"/>
+    <p:sldId id="268" r:id="rId24"/>
+    <p:sldId id="357" r:id="rId25"/>
+    <p:sldId id="369" r:id="rId26"/>
+    <p:sldId id="269" r:id="rId27"/>
+    <p:sldId id="281" r:id="rId28"/>
+    <p:sldId id="282" r:id="rId29"/>
+    <p:sldId id="271" r:id="rId30"/>
   </p:sldIdLst>
   <p:sldSz cx="12192000" cy="6858000"/>
   <p:notesSz cx="6858000" cy="9144000"/>
@@ -3430,6 +3431,94 @@
           </a:p>
         </p:txBody>
       </p:sp>
+      <p:pic>
+        <p:nvPicPr>
+          <p:cNvPr id="5" name="图片 4"/>
+          <p:cNvPicPr>
+            <a:picLocks noChangeAspect="1"/>
+          </p:cNvPicPr>
+          <p:nvPr/>
+        </p:nvPicPr>
+        <p:blipFill>
+          <a:blip r:embed="rId1"/>
+          <a:stretch>
+            <a:fillRect/>
+          </a:stretch>
+        </p:blipFill>
+        <p:spPr>
+          <a:xfrm>
+            <a:off x="772795" y="1772920"/>
+            <a:ext cx="3937000" cy="4343400"/>
+          </a:xfrm>
+          <a:prstGeom prst="rect">
+            <a:avLst/>
+          </a:prstGeom>
+        </p:spPr>
+      </p:pic>
+      <p:pic>
+        <p:nvPicPr>
+          <p:cNvPr id="6" name="图片 5"/>
+          <p:cNvPicPr>
+            <a:picLocks noChangeAspect="1"/>
+          </p:cNvPicPr>
+          <p:nvPr/>
+        </p:nvPicPr>
+        <p:blipFill>
+          <a:blip r:embed="rId2"/>
+          <a:stretch>
+            <a:fillRect/>
+          </a:stretch>
+        </p:blipFill>
+        <p:spPr>
+          <a:xfrm>
+            <a:off x="4963160" y="1259840"/>
+            <a:ext cx="6680200" cy="5048250"/>
+          </a:xfrm>
+          <a:prstGeom prst="rect">
+            <a:avLst/>
+          </a:prstGeom>
+        </p:spPr>
+      </p:pic>
+    </p:spTree>
+  </p:cSld>
+  <p:clrMapOvr>
+    <a:masterClrMapping/>
+  </p:clrMapOvr>
+</p:sld>
+</file>
+
+<file path=ppt/slides/slide11.xml><?xml version="1.0" encoding="utf-8"?>
+<p:sld xmlns:a="http://schemas.openxmlformats.org/drawingml/2006/main" xmlns:r="http://schemas.openxmlformats.org/officeDocument/2006/relationships" xmlns:p="http://schemas.openxmlformats.org/presentationml/2006/main">
+  <p:cSld>
+    <p:spTree>
+      <p:nvGrpSpPr>
+        <p:cNvPr id="1" name=""/>
+        <p:cNvGrpSpPr/>
+        <p:nvPr/>
+      </p:nvGrpSpPr>
+      <p:grpSpPr/>
+      <p:sp>
+        <p:nvSpPr>
+          <p:cNvPr id="2" name="标题 1"/>
+          <p:cNvSpPr>
+            <a:spLocks noGrp="1"/>
+          </p:cNvSpPr>
+          <p:nvPr>
+            <p:ph type="title"/>
+          </p:nvPr>
+        </p:nvSpPr>
+        <p:spPr/>
+        <p:txBody>
+          <a:bodyPr/>
+          <a:p>
+            <a:r>
+              <a:rPr lang="en-US" altLang="zh-CN"/>
+              <a:t>Role-based access control(RBAC) </a:t>
+            </a:r>
+            <a:endParaRPr lang="en-US" altLang="zh-CN"/>
+          </a:p>
+        </p:txBody>
+      </p:sp>
       <p:sp>
         <p:nvSpPr>
           <p:cNvPr id="10" name="文本框 9"/>
@@ -3532,7 +3621,7 @@
 </p:sld>
 </file>
 
-<file path=ppt/slides/slide11.xml><?xml version="1.0" encoding="utf-8"?>
+<file path=ppt/slides/slide12.xml><?xml version="1.0" encoding="utf-8"?>
 <p:sld xmlns:a="http://schemas.openxmlformats.org/drawingml/2006/main" xmlns:r="http://schemas.openxmlformats.org/officeDocument/2006/relationships" xmlns:p="http://schemas.openxmlformats.org/presentationml/2006/main">
   <p:cSld>
     <p:spTree>
@@ -3788,7 +3877,7 @@
 </p:sld>
 </file>
 
-<file path=ppt/slides/slide12.xml><?xml version="1.0" encoding="utf-8"?>
+<file path=ppt/slides/slide13.xml><?xml version="1.0" encoding="utf-8"?>
 <p:sld xmlns:a="http://schemas.openxmlformats.org/drawingml/2006/main" xmlns:r="http://schemas.openxmlformats.org/officeDocument/2006/relationships" xmlns:p="http://schemas.openxmlformats.org/presentationml/2006/main">
   <p:cSld>
     <p:spTree>
@@ -3966,7 +4055,7 @@
 </p:sld>
 </file>
 
-<file path=ppt/slides/slide13.xml><?xml version="1.0" encoding="utf-8"?>
+<file path=ppt/slides/slide14.xml><?xml version="1.0" encoding="utf-8"?>
 <p:sld xmlns:a="http://schemas.openxmlformats.org/drawingml/2006/main" xmlns:r="http://schemas.openxmlformats.org/officeDocument/2006/relationships" xmlns:p="http://schemas.openxmlformats.org/presentationml/2006/main">
   <p:cSld>
     <p:spTree>
@@ -4099,8 +4188,8 @@
 </p:sld>
 </file>
 
-<file path=ppt/slides/slide14.xml><?xml version="1.0" encoding="utf-8"?>
-<p:sld xmlns:a="http://schemas.openxmlformats.org/drawingml/2006/main" xmlns:r="http://schemas.openxmlformats.org/officeDocument/2006/relationships" xmlns:p="http://schemas.openxmlformats.org/presentationml/2006/main" show="0">
+<file path=ppt/slides/slide15.xml><?xml version="1.0" encoding="utf-8"?>
+<p:sld xmlns:a="http://schemas.openxmlformats.org/drawingml/2006/main" xmlns:r="http://schemas.openxmlformats.org/officeDocument/2006/relationships" xmlns:p="http://schemas.openxmlformats.org/presentationml/2006/main">
   <p:cSld>
     <p:spTree>
       <p:nvGrpSpPr>
@@ -4172,11 +4261,10 @@
   <p:clrMapOvr>
     <a:masterClrMapping/>
   </p:clrMapOvr>
-  <p:transition/>
 </p:sld>
 </file>
 
-<file path=ppt/slides/slide15.xml><?xml version="1.0" encoding="utf-8"?>
+<file path=ppt/slides/slide16.xml><?xml version="1.0" encoding="utf-8"?>
 <p:sld xmlns:a="http://schemas.openxmlformats.org/drawingml/2006/main" xmlns:r="http://schemas.openxmlformats.org/officeDocument/2006/relationships" xmlns:p="http://schemas.openxmlformats.org/presentationml/2006/main">
   <p:cSld>
     <p:spTree>
@@ -4414,7 +4502,7 @@
 </p:sld>
 </file>
 
-<file path=ppt/slides/slide16.xml><?xml version="1.0" encoding="utf-8"?>
+<file path=ppt/slides/slide17.xml><?xml version="1.0" encoding="utf-8"?>
 <p:sld xmlns:a="http://schemas.openxmlformats.org/drawingml/2006/main" xmlns:r="http://schemas.openxmlformats.org/officeDocument/2006/relationships" xmlns:p="http://schemas.openxmlformats.org/presentationml/2006/main">
   <p:cSld>
     <p:spTree>
@@ -4723,7 +4811,7 @@
 </p:sld>
 </file>
 
-<file path=ppt/slides/slide17.xml><?xml version="1.0" encoding="utf-8"?>
+<file path=ppt/slides/slide18.xml><?xml version="1.0" encoding="utf-8"?>
 <p:sld xmlns:a="http://schemas.openxmlformats.org/drawingml/2006/main" xmlns:r="http://schemas.openxmlformats.org/officeDocument/2006/relationships" xmlns:p="http://schemas.openxmlformats.org/presentationml/2006/main">
   <p:cSld>
     <p:spTree>
@@ -4849,7 +4937,7 @@
 </p:sld>
 </file>
 
-<file path=ppt/slides/slide18.xml><?xml version="1.0" encoding="utf-8"?>
+<file path=ppt/slides/slide19.xml><?xml version="1.0" encoding="utf-8"?>
 <p:sld xmlns:a="http://schemas.openxmlformats.org/drawingml/2006/main" xmlns:r="http://schemas.openxmlformats.org/officeDocument/2006/relationships" xmlns:p="http://schemas.openxmlformats.org/presentationml/2006/main">
   <p:cSld>
     <p:spTree>
@@ -5390,64 +5478,6 @@
 </p:sld>
 </file>
 
-<file path=ppt/slides/slide19.xml><?xml version="1.0" encoding="utf-8"?>
-<p:sld xmlns:a="http://schemas.openxmlformats.org/drawingml/2006/main" xmlns:r="http://schemas.openxmlformats.org/officeDocument/2006/relationships" xmlns:p="http://schemas.openxmlformats.org/presentationml/2006/main">
-  <p:cSld>
-    <p:spTree>
-      <p:nvGrpSpPr>
-        <p:cNvPr id="1" name=""/>
-        <p:cNvGrpSpPr/>
-        <p:nvPr/>
-      </p:nvGrpSpPr>
-      <p:grpSpPr/>
-      <p:sp>
-        <p:nvSpPr>
-          <p:cNvPr id="2" name="标题 1"/>
-          <p:cNvSpPr>
-            <a:spLocks noGrp="1"/>
-          </p:cNvSpPr>
-          <p:nvPr>
-            <p:ph type="title"/>
-          </p:nvPr>
-        </p:nvSpPr>
-        <p:spPr/>
-        <p:txBody>
-          <a:bodyPr/>
-          <a:p>
-            <a:r>
-              <a:rPr lang="en-US" altLang="zh-CN"/>
-              <a:t>Prometheus Monitor</a:t>
-            </a:r>
-            <a:endParaRPr lang="en-US" altLang="zh-CN"/>
-          </a:p>
-        </p:txBody>
-      </p:sp>
-      <p:sp>
-        <p:nvSpPr>
-          <p:cNvPr id="3" name="文本占位符 2"/>
-          <p:cNvSpPr>
-            <a:spLocks noGrp="1"/>
-          </p:cNvSpPr>
-          <p:nvPr>
-            <p:ph type="body" idx="1"/>
-          </p:nvPr>
-        </p:nvSpPr>
-        <p:spPr/>
-        <p:txBody>
-          <a:bodyPr/>
-          <a:p>
-            <a:endParaRPr lang="zh-CN" altLang="en-US"/>
-          </a:p>
-        </p:txBody>
-      </p:sp>
-    </p:spTree>
-  </p:cSld>
-  <p:clrMapOvr>
-    <a:masterClrMapping/>
-  </p:clrMapOvr>
-</p:sld>
-</file>
-
 <file path=ppt/slides/slide2.xml><?xml version="1.0" encoding="utf-8"?>
 <p:sld xmlns:a="http://schemas.openxmlformats.org/drawingml/2006/main" xmlns:r="http://schemas.openxmlformats.org/officeDocument/2006/relationships" xmlns:p="http://schemas.openxmlformats.org/presentationml/2006/main">
   <p:cSld>
@@ -5566,34 +5596,30 @@
           <a:p>
             <a:r>
               <a:rPr lang="en-US" altLang="zh-CN"/>
-              <a:t>Alertmanager for complex alerts handling</a:t>
+              <a:t>Prometheus Monitor</a:t>
             </a:r>
             <a:endParaRPr lang="en-US" altLang="zh-CN"/>
           </a:p>
         </p:txBody>
       </p:sp>
-      <p:pic>
-        <p:nvPicPr>
-          <p:cNvPr id="5" name="图片 4"/>
-          <p:cNvPicPr/>
-          <p:nvPr/>
-        </p:nvPicPr>
-        <p:blipFill>
-          <a:blip r:embed="rId1"/>
-          <a:stretch>
-            <a:fillRect/>
-          </a:stretch>
-        </p:blipFill>
-        <p:spPr>
-          <a:xfrm>
-            <a:off x="1871980" y="1516380"/>
-            <a:ext cx="8907780" cy="4922520"/>
-          </a:xfrm>
-          <a:prstGeom prst="rect">
-            <a:avLst/>
-          </a:prstGeom>
-        </p:spPr>
-      </p:pic>
+      <p:sp>
+        <p:nvSpPr>
+          <p:cNvPr id="3" name="文本占位符 2"/>
+          <p:cNvSpPr>
+            <a:spLocks noGrp="1"/>
+          </p:cNvSpPr>
+          <p:nvPr>
+            <p:ph type="body" idx="1"/>
+          </p:nvPr>
+        </p:nvSpPr>
+        <p:spPr/>
+        <p:txBody>
+          <a:bodyPr/>
+          <a:p>
+            <a:endParaRPr lang="zh-CN" altLang="en-US"/>
+          </a:p>
+        </p:txBody>
+      </p:sp>
     </p:spTree>
   </p:cSld>
   <p:clrMapOvr>
@@ -5622,109 +5648,40 @@
             <p:ph type="title"/>
           </p:nvPr>
         </p:nvSpPr>
-        <p:spPr>
-          <a:xfrm>
-            <a:off x="164465" y="365125"/>
-            <a:ext cx="12027535" cy="1325880"/>
-          </a:xfrm>
-        </p:spPr>
-        <p:txBody>
-          <a:bodyPr>
-            <a:normAutofit fontScale="90000"/>
-          </a:bodyPr>
+        <p:spPr/>
+        <p:txBody>
+          <a:bodyPr/>
           <a:p>
             <a:r>
               <a:rPr lang="en-US" altLang="zh-CN"/>
-              <a:t>Alertmanager - Centralized Alert Handling in Prometheus</a:t>
+              <a:t>Alertmanager for complex alerts handling</a:t>
             </a:r>
             <a:endParaRPr lang="en-US" altLang="zh-CN"/>
           </a:p>
         </p:txBody>
       </p:sp>
-      <p:sp>
-        <p:nvSpPr>
-          <p:cNvPr id="3" name="内容占位符 2"/>
-          <p:cNvSpPr>
-            <a:spLocks noGrp="1"/>
-          </p:cNvSpPr>
-          <p:nvPr>
-            <p:ph sz="half" idx="1"/>
-          </p:nvPr>
-        </p:nvSpPr>
-        <p:spPr/>
-        <p:txBody>
-          <a:bodyPr/>
-          <a:p>
-            <a:r>
-              <a:rPr lang="en-US" altLang="zh-CN"/>
-              <a:t>Alertmanager is a component of the Prometheus ecosystem that handles alerts generated by Prometheus based on user-defined PromQL queries.</a:t>
-            </a:r>
-            <a:endParaRPr lang="en-US" altLang="zh-CN"/>
-          </a:p>
-          <a:p>
-            <a:r>
-              <a:rPr lang="en-US" altLang="zh-CN"/>
-              <a:t>It acts as the centralized alert handling system, processing and managing the alerts sent from Prometheus.</a:t>
-            </a:r>
-            <a:endParaRPr lang="en-US" altLang="zh-CN"/>
-          </a:p>
-        </p:txBody>
-      </p:sp>
-      <p:sp>
-        <p:nvSpPr>
-          <p:cNvPr id="4" name="内容占位符 3"/>
-          <p:cNvSpPr>
-            <a:spLocks noGrp="1"/>
-          </p:cNvSpPr>
-          <p:nvPr>
-            <p:ph sz="half" idx="2"/>
-          </p:nvPr>
-        </p:nvSpPr>
-        <p:spPr>
-          <a:xfrm>
-            <a:off x="6172200" y="1825625"/>
-            <a:ext cx="5914390" cy="4351655"/>
-          </a:xfrm>
-        </p:spPr>
-        <p:txBody>
-          <a:bodyPr/>
-          <a:p>
-            <a:r>
-              <a:rPr lang="en-US" altLang="zh-CN"/>
-              <a:t> Alerting Workflow with Webhooks</a:t>
-            </a:r>
-            <a:endParaRPr lang="en-US" altLang="zh-CN"/>
-          </a:p>
-          <a:p>
-            <a:pPr lvl="1"/>
-            <a:r>
-              <a:rPr lang="en-US" altLang="zh-CN"/>
-              <a:t>Prometheus queries metrics with PromQL and detects when thresholds are exceeded, triggering alerts.</a:t>
-            </a:r>
-            <a:endParaRPr lang="en-US" altLang="zh-CN" sz="2400"/>
-          </a:p>
-          <a:p>
-            <a:pPr lvl="1"/>
-            <a:r>
-              <a:rPr lang="en-US" altLang="zh-CN"/>
-              <a:t>Alerts are sent to Alertmanager, which processes and categorizes them based on predefined rules.</a:t>
-            </a:r>
-            <a:endParaRPr lang="en-US" altLang="zh-CN" sz="2400"/>
-          </a:p>
-          <a:p>
-            <a:pPr lvl="1"/>
-            <a:r>
-              <a:rPr lang="en-US" altLang="zh-CN"/>
-              <a:t>Alertmanager sends the processed alerts to external systems via Webhooks.</a:t>
-            </a:r>
-            <a:endParaRPr lang="en-US" altLang="zh-CN"/>
-          </a:p>
-          <a:p>
-            <a:pPr lvl="1"/>
-            <a:endParaRPr lang="en-US" altLang="zh-CN"/>
-          </a:p>
-        </p:txBody>
-      </p:sp>
+      <p:pic>
+        <p:nvPicPr>
+          <p:cNvPr id="5" name="图片 4"/>
+          <p:cNvPicPr/>
+          <p:nvPr/>
+        </p:nvPicPr>
+        <p:blipFill>
+          <a:blip r:embed="rId1"/>
+          <a:stretch>
+            <a:fillRect/>
+          </a:stretch>
+        </p:blipFill>
+        <p:spPr>
+          <a:xfrm>
+            <a:off x="1871980" y="1516380"/>
+            <a:ext cx="8907780" cy="4922520"/>
+          </a:xfrm>
+          <a:prstGeom prst="rect">
+            <a:avLst/>
+          </a:prstGeom>
+        </p:spPr>
+      </p:pic>
     </p:spTree>
   </p:cSld>
   <p:clrMapOvr>
@@ -5788,7 +5745,14 @@
           <a:p>
             <a:r>
               <a:rPr lang="en-US" altLang="zh-CN"/>
-              <a:t>Configuration</a:t>
+              <a:t>Alertmanager is a component of the Prometheus ecosystem that handles alerts generated by Prometheus based on user-defined PromQL queries.</a:t>
+            </a:r>
+            <a:endParaRPr lang="en-US" altLang="zh-CN"/>
+          </a:p>
+          <a:p>
+            <a:r>
+              <a:rPr lang="en-US" altLang="zh-CN"/>
+              <a:t>It acts as the centralized alert handling system, processing and managing the alerts sent from Prometheus.</a:t>
             </a:r>
             <a:endParaRPr lang="en-US" altLang="zh-CN"/>
           </a:p>
@@ -5815,66 +5779,40 @@
           <a:p>
             <a:r>
               <a:rPr lang="en-US" altLang="zh-CN"/>
-              <a:t> Prometheus Configuration</a:t>
+              <a:t> Alerting Workflow with Webhooks</a:t>
             </a:r>
             <a:endParaRPr lang="en-US" altLang="zh-CN"/>
           </a:p>
           <a:p>
-            <a:pPr marL="457200" lvl="1" indent="0">
-              <a:buNone/>
-            </a:pPr>
+            <a:pPr lvl="1"/>
+            <a:r>
+              <a:rPr lang="en-US" altLang="zh-CN"/>
+              <a:t>Prometheus queries metrics with PromQL and detects when thresholds are exceeded, triggering alerts.</a:t>
+            </a:r>
+            <a:endParaRPr lang="en-US" altLang="zh-CN" sz="2400"/>
+          </a:p>
+          <a:p>
+            <a:pPr lvl="1"/>
+            <a:r>
+              <a:rPr lang="en-US" altLang="zh-CN"/>
+              <a:t>Alerts are sent to Alertmanager, which processes and categorizes them based on predefined rules.</a:t>
+            </a:r>
+            <a:endParaRPr lang="en-US" altLang="zh-CN" sz="2400"/>
+          </a:p>
+          <a:p>
+            <a:pPr lvl="1"/>
+            <a:r>
+              <a:rPr lang="en-US" altLang="zh-CN"/>
+              <a:t>Alertmanager sends the processed alerts to external systems via Webhooks.</a:t>
+            </a:r>
             <a:endParaRPr lang="en-US" altLang="zh-CN"/>
           </a:p>
-        </p:txBody>
-      </p:sp>
-      <p:pic>
-        <p:nvPicPr>
-          <p:cNvPr id="5" name="图片 4"/>
-          <p:cNvPicPr>
-            <a:picLocks noChangeAspect="1"/>
-          </p:cNvPicPr>
-          <p:nvPr/>
-        </p:nvPicPr>
-        <p:blipFill>
-          <a:blip r:embed="rId1"/>
-          <a:stretch>
-            <a:fillRect/>
-          </a:stretch>
-        </p:blipFill>
-        <p:spPr>
-          <a:xfrm>
-            <a:off x="321945" y="2694940"/>
-            <a:ext cx="5601335" cy="2503805"/>
-          </a:xfrm>
-          <a:prstGeom prst="rect">
-            <a:avLst/>
-          </a:prstGeom>
-        </p:spPr>
-      </p:pic>
-      <p:pic>
-        <p:nvPicPr>
-          <p:cNvPr id="6" name="图片 5"/>
-          <p:cNvPicPr>
-            <a:picLocks noChangeAspect="1"/>
-          </p:cNvPicPr>
-          <p:nvPr/>
-        </p:nvPicPr>
-        <p:blipFill>
-          <a:blip r:embed="rId2"/>
-          <a:stretch>
-            <a:fillRect/>
-          </a:stretch>
-        </p:blipFill>
-        <p:spPr>
-          <a:xfrm>
-            <a:off x="6222365" y="3192145"/>
-            <a:ext cx="5280660" cy="1755140"/>
-          </a:xfrm>
-          <a:prstGeom prst="rect">
-            <a:avLst/>
-          </a:prstGeom>
-        </p:spPr>
-      </p:pic>
+          <a:p>
+            <a:pPr lvl="1"/>
+            <a:endParaRPr lang="en-US" altLang="zh-CN"/>
+          </a:p>
+        </p:txBody>
+      </p:sp>
     </p:spTree>
   </p:cSld>
   <p:clrMapOvr>
@@ -5903,13 +5841,42 @@
             <p:ph type="title"/>
           </p:nvPr>
         </p:nvSpPr>
+        <p:spPr>
+          <a:xfrm>
+            <a:off x="164465" y="365125"/>
+            <a:ext cx="12027535" cy="1325880"/>
+          </a:xfrm>
+        </p:spPr>
+        <p:txBody>
+          <a:bodyPr>
+            <a:normAutofit fontScale="90000"/>
+          </a:bodyPr>
+          <a:p>
+            <a:r>
+              <a:rPr lang="en-US" altLang="zh-CN"/>
+              <a:t>Alertmanager - Centralized Alert Handling in Prometheus</a:t>
+            </a:r>
+            <a:endParaRPr lang="en-US" altLang="zh-CN"/>
+          </a:p>
+        </p:txBody>
+      </p:sp>
+      <p:sp>
+        <p:nvSpPr>
+          <p:cNvPr id="3" name="内容占位符 2"/>
+          <p:cNvSpPr>
+            <a:spLocks noGrp="1"/>
+          </p:cNvSpPr>
+          <p:nvPr>
+            <p:ph sz="half" idx="1"/>
+          </p:nvPr>
+        </p:nvSpPr>
         <p:spPr/>
         <p:txBody>
           <a:bodyPr/>
           <a:p>
             <a:r>
               <a:rPr lang="en-US" altLang="zh-CN"/>
-              <a:t>Node Exporter </a:t>
+              <a:t>Configuration</a:t>
             </a:r>
             <a:endParaRPr lang="en-US" altLang="zh-CN"/>
           </a:p>
@@ -5927,8 +5894,8 @@
         </p:nvSpPr>
         <p:spPr>
           <a:xfrm>
-            <a:off x="6172200" y="1513840"/>
-            <a:ext cx="5181600" cy="4351338"/>
+            <a:off x="6172200" y="1825625"/>
+            <a:ext cx="5914390" cy="4351655"/>
           </a:xfrm>
         </p:spPr>
         <p:txBody>
@@ -5936,57 +5903,24 @@
           <a:p>
             <a:r>
               <a:rPr lang="en-US" altLang="zh-CN"/>
-              <a:t>An open-source component of Prometheus by community</a:t>
+              <a:t> Prometheus Configuration</a:t>
             </a:r>
             <a:endParaRPr lang="en-US" altLang="zh-CN"/>
           </a:p>
           <a:p>
-            <a:r>
-              <a:rPr lang="en-US" altLang="zh-CN"/>
-              <a:t>use Node E</a:t>
-            </a:r>
-            <a:r>
-              <a:rPr lang="en-US" altLang="zh-CN"/>
-              <a:t>xporter to scrape software-level metrics</a:t>
-            </a:r>
-            <a:endParaRPr lang="en-US" altLang="zh-CN"/>
-          </a:p>
-          <a:p>
-            <a:r>
-              <a:rPr lang="en-US" altLang="zh-CN"/>
-              <a:t>deployed on every compute node and aggregate in Prometheus</a:t>
-            </a:r>
-            <a:endParaRPr lang="en-US" altLang="zh-CN"/>
-          </a:p>
-          <a:p>
-            <a:r>
-              <a:rPr lang="en-US" altLang="zh-CN"/>
-              <a:t>utilize </a:t>
-            </a:r>
-            <a:r>
-              <a:rPr lang="en-US" altLang="zh-CN" u="sng"/>
-              <a:t>TextCollector</a:t>
-            </a:r>
-            <a:r>
-              <a:rPr lang="en-US" altLang="zh-CN"/>
-              <a:t> to  scrape</a:t>
-            </a:r>
-            <a:r>
-              <a:rPr lang="en-US" altLang="zh-CN" u="sng"/>
-              <a:t> </a:t>
-            </a:r>
-            <a:r>
-              <a:rPr lang="en-US" altLang="zh-CN"/>
-              <a:t>custom metrics, including GPU and User details.</a:t>
-            </a:r>
+            <a:pPr marL="457200" lvl="1" indent="0">
+              <a:buNone/>
+            </a:pPr>
             <a:endParaRPr lang="en-US" altLang="zh-CN"/>
           </a:p>
         </p:txBody>
       </p:sp>
       <p:pic>
         <p:nvPicPr>
-          <p:cNvPr id="3" name="图片 2"/>
-          <p:cNvPicPr/>
+          <p:cNvPr id="5" name="图片 4"/>
+          <p:cNvPicPr>
+            <a:picLocks noChangeAspect="1"/>
+          </p:cNvPicPr>
           <p:nvPr/>
         </p:nvPicPr>
         <p:blipFill>
@@ -5997,8 +5931,32 @@
         </p:blipFill>
         <p:spPr>
           <a:xfrm>
-            <a:off x="351790" y="1691005"/>
-            <a:ext cx="5560695" cy="4394200"/>
+            <a:off x="321945" y="2694940"/>
+            <a:ext cx="5601335" cy="2503805"/>
+          </a:xfrm>
+          <a:prstGeom prst="rect">
+            <a:avLst/>
+          </a:prstGeom>
+        </p:spPr>
+      </p:pic>
+      <p:pic>
+        <p:nvPicPr>
+          <p:cNvPr id="6" name="图片 5"/>
+          <p:cNvPicPr>
+            <a:picLocks noChangeAspect="1"/>
+          </p:cNvPicPr>
+          <p:nvPr/>
+        </p:nvPicPr>
+        <p:blipFill>
+          <a:blip r:embed="rId2"/>
+          <a:stretch>
+            <a:fillRect/>
+          </a:stretch>
+        </p:blipFill>
+        <p:spPr>
+          <a:xfrm>
+            <a:off x="6222365" y="3192145"/>
+            <a:ext cx="5280660" cy="1755140"/>
           </a:xfrm>
           <a:prstGeom prst="rect">
             <a:avLst/>
@@ -6033,31 +5991,90 @@
             <p:ph type="title"/>
           </p:nvPr>
         </p:nvSpPr>
-        <p:spPr>
-          <a:xfrm>
-            <a:off x="838200" y="365125"/>
-            <a:ext cx="5622925" cy="1325880"/>
-          </a:xfrm>
-        </p:spPr>
-        <p:txBody>
-          <a:bodyPr/>
-          <a:p>
-            <a:r>
-              <a:rPr lang="en-US" altLang="zh-CN">
-                <a:sym typeface="+mn-ea"/>
-              </a:rPr>
-              <a:t>Custom Scripts </a:t>
-            </a:r>
-            <a:endParaRPr lang="zh-CN" altLang="en-US"/>
+        <p:spPr/>
+        <p:txBody>
+          <a:bodyPr/>
+          <a:p>
+            <a:r>
+              <a:rPr lang="en-US" altLang="zh-CN"/>
+              <a:t>Node Exporter </a:t>
+            </a:r>
+            <a:endParaRPr lang="en-US" altLang="zh-CN"/>
+          </a:p>
+        </p:txBody>
+      </p:sp>
+      <p:sp>
+        <p:nvSpPr>
+          <p:cNvPr id="4" name="内容占位符 3"/>
+          <p:cNvSpPr>
+            <a:spLocks noGrp="1"/>
+          </p:cNvSpPr>
+          <p:nvPr>
+            <p:ph sz="half" idx="2"/>
+          </p:nvPr>
+        </p:nvSpPr>
+        <p:spPr>
+          <a:xfrm>
+            <a:off x="6172200" y="1513840"/>
+            <a:ext cx="5181600" cy="4351338"/>
+          </a:xfrm>
+        </p:spPr>
+        <p:txBody>
+          <a:bodyPr/>
+          <a:p>
+            <a:r>
+              <a:rPr lang="en-US" altLang="zh-CN"/>
+              <a:t>An open-source component of Prometheus by community</a:t>
+            </a:r>
+            <a:endParaRPr lang="en-US" altLang="zh-CN"/>
+          </a:p>
+          <a:p>
+            <a:r>
+              <a:rPr lang="en-US" altLang="zh-CN"/>
+              <a:t>use Node E</a:t>
+            </a:r>
+            <a:r>
+              <a:rPr lang="en-US" altLang="zh-CN"/>
+              <a:t>xporter to scrape software-level metrics</a:t>
+            </a:r>
+            <a:endParaRPr lang="en-US" altLang="zh-CN"/>
+          </a:p>
+          <a:p>
+            <a:r>
+              <a:rPr lang="en-US" altLang="zh-CN"/>
+              <a:t>deployed on every compute node and aggregate in Prometheus</a:t>
+            </a:r>
+            <a:endParaRPr lang="en-US" altLang="zh-CN"/>
+          </a:p>
+          <a:p>
+            <a:r>
+              <a:rPr lang="en-US" altLang="zh-CN"/>
+              <a:t>utilize </a:t>
+            </a:r>
+            <a:r>
+              <a:rPr lang="en-US" altLang="zh-CN" u="sng"/>
+              <a:t>TextCollector</a:t>
+            </a:r>
+            <a:r>
+              <a:rPr lang="en-US" altLang="zh-CN"/>
+              <a:t> to  scrape</a:t>
+            </a:r>
+            <a:r>
+              <a:rPr lang="en-US" altLang="zh-CN" u="sng"/>
+              <a:t> </a:t>
+            </a:r>
+            <a:r>
+              <a:rPr lang="en-US" altLang="zh-CN"/>
+              <a:t>custom metrics, including GPU and User details.</a:t>
+            </a:r>
+            <a:endParaRPr lang="en-US" altLang="zh-CN"/>
           </a:p>
         </p:txBody>
       </p:sp>
       <p:pic>
         <p:nvPicPr>
-          <p:cNvPr id="10" name="图片 9" descr="carbon (2)"/>
-          <p:cNvPicPr>
-            <a:picLocks noChangeAspect="1"/>
-          </p:cNvPicPr>
+          <p:cNvPr id="3" name="图片 2"/>
+          <p:cNvPicPr/>
           <p:nvPr/>
         </p:nvPicPr>
         <p:blipFill>
@@ -6068,174 +6085,14 @@
         </p:blipFill>
         <p:spPr>
           <a:xfrm>
-            <a:off x="-80645" y="1273810"/>
-            <a:ext cx="6779895" cy="4323715"/>
+            <a:off x="351790" y="1691005"/>
+            <a:ext cx="5560695" cy="4394200"/>
           </a:xfrm>
           <a:prstGeom prst="rect">
             <a:avLst/>
           </a:prstGeom>
         </p:spPr>
       </p:pic>
-      <p:pic>
-        <p:nvPicPr>
-          <p:cNvPr id="11" name="图片 10" descr="carbon (3)"/>
-          <p:cNvPicPr>
-            <a:picLocks noChangeAspect="1"/>
-          </p:cNvPicPr>
-          <p:nvPr/>
-        </p:nvPicPr>
-        <p:blipFill>
-          <a:blip r:embed="rId2"/>
-          <a:stretch>
-            <a:fillRect/>
-          </a:stretch>
-        </p:blipFill>
-        <p:spPr>
-          <a:xfrm>
-            <a:off x="6461760" y="-168910"/>
-            <a:ext cx="5995670" cy="6769735"/>
-          </a:xfrm>
-          <a:prstGeom prst="rect">
-            <a:avLst/>
-          </a:prstGeom>
-        </p:spPr>
-      </p:pic>
-      <p:sp>
-        <p:nvSpPr>
-          <p:cNvPr id="12" name="文本框 11"/>
-          <p:cNvSpPr txBox="1"/>
-          <p:nvPr/>
-        </p:nvSpPr>
-        <p:spPr>
-          <a:xfrm>
-            <a:off x="424180" y="5843905"/>
-            <a:ext cx="1902460" cy="368300"/>
-          </a:xfrm>
-          <a:prstGeom prst="rect">
-            <a:avLst/>
-          </a:prstGeom>
-          <a:noFill/>
-        </p:spPr>
-        <p:txBody>
-          <a:bodyPr wrap="square" rtlCol="0">
-            <a:spAutoFit/>
-          </a:bodyPr>
-          <a:p>
-            <a:r>
-              <a:rPr lang="en-US" altLang="zh-CN"/>
-              <a:t>script for user info</a:t>
-            </a:r>
-            <a:endParaRPr lang="en-US" altLang="zh-CN"/>
-          </a:p>
-        </p:txBody>
-      </p:sp>
-      <p:sp>
-        <p:nvSpPr>
-          <p:cNvPr id="13" name="文本框 12"/>
-          <p:cNvSpPr txBox="1"/>
-          <p:nvPr/>
-        </p:nvSpPr>
-        <p:spPr>
-          <a:xfrm>
-            <a:off x="3484880" y="5843905"/>
-            <a:ext cx="2526665" cy="368300"/>
-          </a:xfrm>
-          <a:prstGeom prst="rect">
-            <a:avLst/>
-          </a:prstGeom>
-          <a:noFill/>
-        </p:spPr>
-        <p:txBody>
-          <a:bodyPr wrap="square" rtlCol="0">
-            <a:spAutoFit/>
-          </a:bodyPr>
-          <a:p>
-            <a:r>
-              <a:rPr lang="en-US" altLang="zh-CN"/>
-              <a:t>script for Nvidia GPU info</a:t>
-            </a:r>
-            <a:endParaRPr lang="en-US" altLang="zh-CN"/>
-          </a:p>
-        </p:txBody>
-      </p:sp>
-      <p:sp>
-        <p:nvSpPr>
-          <p:cNvPr id="14" name="上箭头 13"/>
-          <p:cNvSpPr/>
-          <p:nvPr/>
-        </p:nvSpPr>
-        <p:spPr>
-          <a:xfrm>
-            <a:off x="1210310" y="5271135"/>
-            <a:ext cx="485775" cy="499110"/>
-          </a:xfrm>
-          <a:prstGeom prst="upArrow">
-            <a:avLst/>
-          </a:prstGeom>
-        </p:spPr>
-        <p:style>
-          <a:lnRef idx="2">
-            <a:schemeClr val="accent1">
-              <a:lumMod val="75000"/>
-            </a:schemeClr>
-          </a:lnRef>
-          <a:fillRef idx="1">
-            <a:schemeClr val="accent1"/>
-          </a:fillRef>
-          <a:effectRef idx="0">
-            <a:srgbClr val="FFFFFF"/>
-          </a:effectRef>
-          <a:fontRef idx="minor">
-            <a:schemeClr val="lt1"/>
-          </a:fontRef>
-        </p:style>
-        <p:txBody>
-          <a:bodyPr rtlCol="0" anchor="ctr"/>
-          <a:p>
-            <a:pPr algn="ctr"/>
-            <a:endParaRPr lang="zh-CN" altLang="en-US"/>
-          </a:p>
-        </p:txBody>
-      </p:sp>
-      <p:sp>
-        <p:nvSpPr>
-          <p:cNvPr id="15" name="右箭头 14"/>
-          <p:cNvSpPr/>
-          <p:nvPr/>
-        </p:nvSpPr>
-        <p:spPr>
-          <a:xfrm>
-            <a:off x="6177280" y="5770245"/>
-            <a:ext cx="451485" cy="485775"/>
-          </a:xfrm>
-          <a:prstGeom prst="rightArrow">
-            <a:avLst/>
-          </a:prstGeom>
-        </p:spPr>
-        <p:style>
-          <a:lnRef idx="2">
-            <a:schemeClr val="accent1">
-              <a:lumMod val="75000"/>
-            </a:schemeClr>
-          </a:lnRef>
-          <a:fillRef idx="1">
-            <a:schemeClr val="accent1"/>
-          </a:fillRef>
-          <a:effectRef idx="0">
-            <a:srgbClr val="FFFFFF"/>
-          </a:effectRef>
-          <a:fontRef idx="minor">
-            <a:schemeClr val="lt1"/>
-          </a:fontRef>
-        </p:style>
-        <p:txBody>
-          <a:bodyPr rtlCol="0" anchor="ctr"/>
-          <a:p>
-            <a:pPr algn="ctr"/>
-            <a:endParaRPr lang="zh-CN" altLang="en-US"/>
-          </a:p>
-        </p:txBody>
-      </p:sp>
     </p:spTree>
   </p:cSld>
   <p:clrMapOvr>
@@ -6264,7 +6121,12 @@
             <p:ph type="title"/>
           </p:nvPr>
         </p:nvSpPr>
-        <p:spPr/>
+        <p:spPr>
+          <a:xfrm>
+            <a:off x="838200" y="365125"/>
+            <a:ext cx="5622925" cy="1325880"/>
+          </a:xfrm>
+        </p:spPr>
         <p:txBody>
           <a:bodyPr/>
           <a:p>
@@ -6272,7 +6134,7 @@
               <a:rPr lang="en-US" altLang="zh-CN">
                 <a:sym typeface="+mn-ea"/>
               </a:rPr>
-              <a:t>Visualization</a:t>
+              <a:t>Custom Scripts </a:t>
             </a:r>
             <a:endParaRPr lang="zh-CN" altLang="en-US"/>
           </a:p>
@@ -6280,13 +6142,11 @@
       </p:sp>
       <p:pic>
         <p:nvPicPr>
-          <p:cNvPr id="6" name="内容占位符 5"/>
+          <p:cNvPr id="10" name="图片 9" descr="carbon (2)"/>
           <p:cNvPicPr>
             <a:picLocks noChangeAspect="1"/>
           </p:cNvPicPr>
-          <p:nvPr>
-            <p:ph sz="half" idx="1"/>
-          </p:nvPr>
+          <p:nvPr/>
         </p:nvPicPr>
         <p:blipFill>
           <a:blip r:embed="rId1"/>
@@ -6296,8 +6156,8 @@
         </p:blipFill>
         <p:spPr>
           <a:xfrm>
-            <a:off x="506095" y="1744345"/>
-            <a:ext cx="5181600" cy="2331085"/>
+            <a:off x="-80645" y="1273810"/>
+            <a:ext cx="6779895" cy="4323715"/>
           </a:xfrm>
           <a:prstGeom prst="rect">
             <a:avLst/>
@@ -6306,13 +6166,11 @@
       </p:pic>
       <p:pic>
         <p:nvPicPr>
-          <p:cNvPr id="7" name="内容占位符 6"/>
+          <p:cNvPr id="11" name="图片 10" descr="carbon (3)"/>
           <p:cNvPicPr>
             <a:picLocks noChangeAspect="1"/>
           </p:cNvPicPr>
-          <p:nvPr>
-            <p:ph sz="half" idx="2"/>
-          </p:nvPr>
+          <p:nvPr/>
         </p:nvPicPr>
         <p:blipFill>
           <a:blip r:embed="rId2"/>
@@ -6322,8 +6180,8 @@
         </p:blipFill>
         <p:spPr>
           <a:xfrm>
-            <a:off x="6096000" y="4166235"/>
-            <a:ext cx="5181600" cy="2393950"/>
+            <a:off x="6461760" y="-168910"/>
+            <a:ext cx="5995670" cy="6769735"/>
           </a:xfrm>
           <a:prstGeom prst="rect">
             <a:avLst/>
@@ -6332,14 +6190,14 @@
       </p:pic>
       <p:sp>
         <p:nvSpPr>
-          <p:cNvPr id="3" name="文本框 2"/>
+          <p:cNvPr id="12" name="文本框 11"/>
           <p:cNvSpPr txBox="1"/>
           <p:nvPr/>
         </p:nvSpPr>
         <p:spPr>
           <a:xfrm>
-            <a:off x="6096000" y="2357120"/>
-            <a:ext cx="5966460" cy="1198880"/>
+            <a:off x="424180" y="5843905"/>
+            <a:ext cx="1902460" cy="368300"/>
           </a:xfrm>
           <a:prstGeom prst="rect">
             <a:avLst/>
@@ -6351,37 +6209,118 @@
             <a:spAutoFit/>
           </a:bodyPr>
           <a:p>
-            <a:pPr marL="285750" indent="-285750">
-              <a:buFont typeface="Arial" panose="020B0604020202020204" pitchFamily="34" charset="0"/>
-              <a:buChar char="•"/>
-            </a:pPr>
-            <a:r>
-              <a:rPr lang="en-US" altLang="zh-CN" sz="2400"/>
-              <a:t>use echart.js to display metrics more clearly</a:t>
-            </a:r>
-            <a:endParaRPr lang="en-US" altLang="zh-CN" sz="2400"/>
-          </a:p>
-          <a:p>
-            <a:pPr marL="285750" indent="-285750">
-              <a:buFont typeface="Arial" panose="020B0604020202020204" pitchFamily="34" charset="0"/>
-              <a:buChar char="•"/>
-            </a:pPr>
-            <a:r>
-              <a:rPr lang="en-US" altLang="zh-CN" sz="2400"/>
-              <a:t>allow zooming function</a:t>
-            </a:r>
-            <a:endParaRPr lang="en-US" altLang="zh-CN" sz="2400"/>
-          </a:p>
-          <a:p>
-            <a:pPr marL="285750" indent="-285750">
-              <a:buFont typeface="Arial" panose="020B0604020202020204" pitchFamily="34" charset="0"/>
-              <a:buChar char="•"/>
-            </a:pPr>
-            <a:r>
-              <a:rPr lang="en-US" altLang="zh-CN" sz="2400"/>
-              <a:t>monitor clusters seperately</a:t>
-            </a:r>
-            <a:endParaRPr lang="en-US" altLang="zh-CN" sz="2400"/>
+            <a:r>
+              <a:rPr lang="en-US" altLang="zh-CN"/>
+              <a:t>script for user info</a:t>
+            </a:r>
+            <a:endParaRPr lang="en-US" altLang="zh-CN"/>
+          </a:p>
+        </p:txBody>
+      </p:sp>
+      <p:sp>
+        <p:nvSpPr>
+          <p:cNvPr id="13" name="文本框 12"/>
+          <p:cNvSpPr txBox="1"/>
+          <p:nvPr/>
+        </p:nvSpPr>
+        <p:spPr>
+          <a:xfrm>
+            <a:off x="3484880" y="5843905"/>
+            <a:ext cx="2526665" cy="368300"/>
+          </a:xfrm>
+          <a:prstGeom prst="rect">
+            <a:avLst/>
+          </a:prstGeom>
+          <a:noFill/>
+        </p:spPr>
+        <p:txBody>
+          <a:bodyPr wrap="square" rtlCol="0">
+            <a:spAutoFit/>
+          </a:bodyPr>
+          <a:p>
+            <a:r>
+              <a:rPr lang="en-US" altLang="zh-CN"/>
+              <a:t>script for Nvidia GPU info</a:t>
+            </a:r>
+            <a:endParaRPr lang="en-US" altLang="zh-CN"/>
+          </a:p>
+        </p:txBody>
+      </p:sp>
+      <p:sp>
+        <p:nvSpPr>
+          <p:cNvPr id="14" name="上箭头 13"/>
+          <p:cNvSpPr/>
+          <p:nvPr/>
+        </p:nvSpPr>
+        <p:spPr>
+          <a:xfrm>
+            <a:off x="1210310" y="5271135"/>
+            <a:ext cx="485775" cy="499110"/>
+          </a:xfrm>
+          <a:prstGeom prst="upArrow">
+            <a:avLst/>
+          </a:prstGeom>
+        </p:spPr>
+        <p:style>
+          <a:lnRef idx="2">
+            <a:schemeClr val="accent1">
+              <a:lumMod val="75000"/>
+            </a:schemeClr>
+          </a:lnRef>
+          <a:fillRef idx="1">
+            <a:schemeClr val="accent1"/>
+          </a:fillRef>
+          <a:effectRef idx="0">
+            <a:srgbClr val="FFFFFF"/>
+          </a:effectRef>
+          <a:fontRef idx="minor">
+            <a:schemeClr val="lt1"/>
+          </a:fontRef>
+        </p:style>
+        <p:txBody>
+          <a:bodyPr rtlCol="0" anchor="ctr"/>
+          <a:p>
+            <a:pPr algn="ctr"/>
+            <a:endParaRPr lang="zh-CN" altLang="en-US"/>
+          </a:p>
+        </p:txBody>
+      </p:sp>
+      <p:sp>
+        <p:nvSpPr>
+          <p:cNvPr id="15" name="右箭头 14"/>
+          <p:cNvSpPr/>
+          <p:nvPr/>
+        </p:nvSpPr>
+        <p:spPr>
+          <a:xfrm>
+            <a:off x="6177280" y="5770245"/>
+            <a:ext cx="451485" cy="485775"/>
+          </a:xfrm>
+          <a:prstGeom prst="rightArrow">
+            <a:avLst/>
+          </a:prstGeom>
+        </p:spPr>
+        <p:style>
+          <a:lnRef idx="2">
+            <a:schemeClr val="accent1">
+              <a:lumMod val="75000"/>
+            </a:schemeClr>
+          </a:lnRef>
+          <a:fillRef idx="1">
+            <a:schemeClr val="accent1"/>
+          </a:fillRef>
+          <a:effectRef idx="0">
+            <a:srgbClr val="FFFFFF"/>
+          </a:effectRef>
+          <a:fontRef idx="minor">
+            <a:schemeClr val="lt1"/>
+          </a:fontRef>
+        </p:style>
+        <p:txBody>
+          <a:bodyPr rtlCol="0" anchor="ctr"/>
+          <a:p>
+            <a:pPr algn="ctr"/>
+            <a:endParaRPr lang="zh-CN" altLang="en-US"/>
           </a:p>
         </p:txBody>
       </p:sp>
@@ -6394,6 +6333,155 @@
 </file>
 
 <file path=ppt/slides/slide26.xml><?xml version="1.0" encoding="utf-8"?>
+<p:sld xmlns:a="http://schemas.openxmlformats.org/drawingml/2006/main" xmlns:r="http://schemas.openxmlformats.org/officeDocument/2006/relationships" xmlns:p="http://schemas.openxmlformats.org/presentationml/2006/main">
+  <p:cSld>
+    <p:spTree>
+      <p:nvGrpSpPr>
+        <p:cNvPr id="1" name=""/>
+        <p:cNvGrpSpPr/>
+        <p:nvPr/>
+      </p:nvGrpSpPr>
+      <p:grpSpPr/>
+      <p:sp>
+        <p:nvSpPr>
+          <p:cNvPr id="2" name="标题 1"/>
+          <p:cNvSpPr>
+            <a:spLocks noGrp="1"/>
+          </p:cNvSpPr>
+          <p:nvPr>
+            <p:ph type="title"/>
+          </p:nvPr>
+        </p:nvSpPr>
+        <p:spPr/>
+        <p:txBody>
+          <a:bodyPr/>
+          <a:p>
+            <a:r>
+              <a:rPr lang="en-US" altLang="zh-CN">
+                <a:sym typeface="+mn-ea"/>
+              </a:rPr>
+              <a:t>Visualization</a:t>
+            </a:r>
+            <a:endParaRPr lang="zh-CN" altLang="en-US"/>
+          </a:p>
+        </p:txBody>
+      </p:sp>
+      <p:pic>
+        <p:nvPicPr>
+          <p:cNvPr id="6" name="内容占位符 5"/>
+          <p:cNvPicPr>
+            <a:picLocks noChangeAspect="1"/>
+          </p:cNvPicPr>
+          <p:nvPr>
+            <p:ph sz="half" idx="1"/>
+          </p:nvPr>
+        </p:nvPicPr>
+        <p:blipFill>
+          <a:blip r:embed="rId1"/>
+          <a:stretch>
+            <a:fillRect/>
+          </a:stretch>
+        </p:blipFill>
+        <p:spPr>
+          <a:xfrm>
+            <a:off x="506095" y="1744345"/>
+            <a:ext cx="5181600" cy="2331085"/>
+          </a:xfrm>
+          <a:prstGeom prst="rect">
+            <a:avLst/>
+          </a:prstGeom>
+        </p:spPr>
+      </p:pic>
+      <p:pic>
+        <p:nvPicPr>
+          <p:cNvPr id="7" name="内容占位符 6"/>
+          <p:cNvPicPr>
+            <a:picLocks noChangeAspect="1"/>
+          </p:cNvPicPr>
+          <p:nvPr>
+            <p:ph sz="half" idx="2"/>
+          </p:nvPr>
+        </p:nvPicPr>
+        <p:blipFill>
+          <a:blip r:embed="rId2"/>
+          <a:stretch>
+            <a:fillRect/>
+          </a:stretch>
+        </p:blipFill>
+        <p:spPr>
+          <a:xfrm>
+            <a:off x="6096000" y="4166235"/>
+            <a:ext cx="5181600" cy="2393950"/>
+          </a:xfrm>
+          <a:prstGeom prst="rect">
+            <a:avLst/>
+          </a:prstGeom>
+        </p:spPr>
+      </p:pic>
+      <p:sp>
+        <p:nvSpPr>
+          <p:cNvPr id="3" name="文本框 2"/>
+          <p:cNvSpPr txBox="1"/>
+          <p:nvPr/>
+        </p:nvSpPr>
+        <p:spPr>
+          <a:xfrm>
+            <a:off x="6096000" y="2357120"/>
+            <a:ext cx="5966460" cy="1198880"/>
+          </a:xfrm>
+          <a:prstGeom prst="rect">
+            <a:avLst/>
+          </a:prstGeom>
+          <a:noFill/>
+        </p:spPr>
+        <p:txBody>
+          <a:bodyPr wrap="square" rtlCol="0">
+            <a:spAutoFit/>
+          </a:bodyPr>
+          <a:p>
+            <a:pPr marL="285750" indent="-285750">
+              <a:buFont typeface="Arial" panose="020B0604020202020204" pitchFamily="34" charset="0"/>
+              <a:buChar char="•"/>
+            </a:pPr>
+            <a:r>
+              <a:rPr lang="en-US" altLang="zh-CN" sz="2400"/>
+              <a:t>use echart.js to display metrics more clearly</a:t>
+            </a:r>
+            <a:endParaRPr lang="en-US" altLang="zh-CN" sz="2400"/>
+          </a:p>
+          <a:p>
+            <a:pPr marL="285750" indent="-285750">
+              <a:buFont typeface="Arial" panose="020B0604020202020204" pitchFamily="34" charset="0"/>
+              <a:buChar char="•"/>
+            </a:pPr>
+            <a:r>
+              <a:rPr lang="en-US" altLang="zh-CN" sz="2400"/>
+              <a:t>allow zooming function</a:t>
+            </a:r>
+            <a:endParaRPr lang="en-US" altLang="zh-CN" sz="2400"/>
+          </a:p>
+          <a:p>
+            <a:pPr marL="285750" indent="-285750">
+              <a:buFont typeface="Arial" panose="020B0604020202020204" pitchFamily="34" charset="0"/>
+              <a:buChar char="•"/>
+            </a:pPr>
+            <a:r>
+              <a:rPr lang="en-US" altLang="zh-CN" sz="2400"/>
+              <a:t>monitor clusters seperately</a:t>
+            </a:r>
+            <a:endParaRPr lang="en-US" altLang="zh-CN" sz="2400"/>
+          </a:p>
+        </p:txBody>
+      </p:sp>
+    </p:spTree>
+  </p:cSld>
+  <p:clrMapOvr>
+    <a:masterClrMapping/>
+  </p:clrMapOvr>
+</p:sld>
+</file>
+
+<file path=ppt/slides/slide27.xml><?xml version="1.0" encoding="utf-8"?>
 <p:sld xmlns:a="http://schemas.openxmlformats.org/drawingml/2006/main" xmlns:r="http://schemas.openxmlformats.org/officeDocument/2006/relationships" xmlns:p="http://schemas.openxmlformats.org/presentationml/2006/main">
   <p:cSld>
     <p:spTree>
@@ -7633,22 +7721,36 @@
         <p:txBody>
           <a:bodyPr/>
           <a:p>
-            <a:r>
-              <a:rPr lang="en-US" altLang="zh-CN"/>
-              <a:t>Java Application</a:t>
-            </a:r>
-            <a:endParaRPr lang="en-US" altLang="zh-CN"/>
-          </a:p>
-        </p:txBody>
-      </p:sp>
-      <p:sp>
-        <p:nvSpPr>
-          <p:cNvPr id="3" name="文本占位符 2"/>
-          <p:cNvSpPr>
-            <a:spLocks noGrp="1"/>
-          </p:cNvSpPr>
-          <p:nvPr>
-            <p:ph type="body" idx="1"/>
+            <a:endParaRPr lang="zh-CN" altLang="en-US"/>
+          </a:p>
+        </p:txBody>
+      </p:sp>
+      <p:sp>
+        <p:nvSpPr>
+          <p:cNvPr id="3" name="内容占位符 2"/>
+          <p:cNvSpPr>
+            <a:spLocks noGrp="1"/>
+          </p:cNvSpPr>
+          <p:nvPr>
+            <p:ph sz="half" idx="1"/>
+          </p:nvPr>
+        </p:nvSpPr>
+        <p:spPr/>
+        <p:txBody>
+          <a:bodyPr/>
+          <a:p>
+            <a:endParaRPr lang="zh-CN" altLang="en-US"/>
+          </a:p>
+        </p:txBody>
+      </p:sp>
+      <p:sp>
+        <p:nvSpPr>
+          <p:cNvPr id="4" name="内容占位符 3"/>
+          <p:cNvSpPr>
+            <a:spLocks noGrp="1"/>
+          </p:cNvSpPr>
+          <p:nvPr>
+            <p:ph sz="half" idx="2"/>
           </p:nvPr>
         </p:nvSpPr>
         <p:spPr/>
@@ -7693,60 +7795,30 @@
           <a:p>
             <a:r>
               <a:rPr lang="en-US" altLang="zh-CN"/>
-              <a:t>Role-based access control(RBAC) </a:t>
+              <a:t>Java Application</a:t>
             </a:r>
             <a:endParaRPr lang="en-US" altLang="zh-CN"/>
           </a:p>
         </p:txBody>
       </p:sp>
-      <p:pic>
-        <p:nvPicPr>
-          <p:cNvPr id="5" name="图片 4"/>
-          <p:cNvPicPr>
-            <a:picLocks noChangeAspect="1"/>
-          </p:cNvPicPr>
-          <p:nvPr/>
-        </p:nvPicPr>
-        <p:blipFill>
-          <a:blip r:embed="rId1"/>
-          <a:stretch>
-            <a:fillRect/>
-          </a:stretch>
-        </p:blipFill>
-        <p:spPr>
-          <a:xfrm>
-            <a:off x="772795" y="1772920"/>
-            <a:ext cx="3937000" cy="4343400"/>
-          </a:xfrm>
-          <a:prstGeom prst="rect">
-            <a:avLst/>
-          </a:prstGeom>
-        </p:spPr>
-      </p:pic>
-      <p:pic>
-        <p:nvPicPr>
-          <p:cNvPr id="6" name="图片 5"/>
-          <p:cNvPicPr>
-            <a:picLocks noChangeAspect="1"/>
-          </p:cNvPicPr>
-          <p:nvPr/>
-        </p:nvPicPr>
-        <p:blipFill>
-          <a:blip r:embed="rId2"/>
-          <a:stretch>
-            <a:fillRect/>
-          </a:stretch>
-        </p:blipFill>
-        <p:spPr>
-          <a:xfrm>
-            <a:off x="4963160" y="1259840"/>
-            <a:ext cx="6680200" cy="5048250"/>
-          </a:xfrm>
-          <a:prstGeom prst="rect">
-            <a:avLst/>
-          </a:prstGeom>
-        </p:spPr>
-      </p:pic>
+      <p:sp>
+        <p:nvSpPr>
+          <p:cNvPr id="3" name="文本占位符 2"/>
+          <p:cNvSpPr>
+            <a:spLocks noGrp="1"/>
+          </p:cNvSpPr>
+          <p:nvPr>
+            <p:ph type="body" idx="1"/>
+          </p:nvPr>
+        </p:nvSpPr>
+        <p:spPr/>
+        <p:txBody>
+          <a:bodyPr/>
+          <a:p>
+            <a:endParaRPr lang="zh-CN" altLang="en-US"/>
+          </a:p>
+        </p:txBody>
+      </p:sp>
     </p:spTree>
   </p:cSld>
   <p:clrMapOvr>
